--- a/js/syntax/es5.pptx
+++ b/js/syntax/es5.pptx
@@ -5,17 +5,17 @@
     <p:sldMasterId id="2147483648" r:id="rId1"/>
   </p:sldMasterIdLst>
   <p:sldIdLst>
-    <p:sldId id="256" r:id="rId2"/>
-    <p:sldId id="257" r:id="rId3"/>
-    <p:sldId id="258" r:id="rId4"/>
-    <p:sldId id="259" r:id="rId5"/>
-    <p:sldId id="260" r:id="rId6"/>
-    <p:sldId id="266" r:id="rId7"/>
-    <p:sldId id="261" r:id="rId8"/>
-    <p:sldId id="262" r:id="rId9"/>
-    <p:sldId id="264" r:id="rId10"/>
-    <p:sldId id="263" r:id="rId11"/>
-    <p:sldId id="265" r:id="rId12"/>
+    <p:sldId id="256" r:id="rId3"/>
+    <p:sldId id="257" r:id="rId4"/>
+    <p:sldId id="258" r:id="rId5"/>
+    <p:sldId id="259" r:id="rId6"/>
+    <p:sldId id="260" r:id="rId7"/>
+    <p:sldId id="266" r:id="rId8"/>
+    <p:sldId id="261" r:id="rId9"/>
+    <p:sldId id="262" r:id="rId10"/>
+    <p:sldId id="264" r:id="rId11"/>
+    <p:sldId id="263" r:id="rId12"/>
+    <p:sldId id="265" r:id="rId13"/>
   </p:sldIdLst>
   <p:sldSz cx="12192000" cy="6858000"/>
   <p:notesSz cx="6858000" cy="9144000"/>
@@ -114,27 +114,11 @@
       </a:defRPr>
     </a:lvl9pPr>
   </p:defaultTextStyle>
-  <p:extLst>
-    <p:ext uri="{EFAFB233-063F-42B5-8137-9DF3F51BA10A}">
-      <p15:sldGuideLst xmlns:p15="http://schemas.microsoft.com/office/powerpoint/2012/main">
-        <p15:guide id="1" orient="horz" pos="2160" userDrawn="1">
-          <p15:clr>
-            <a:srgbClr val="A4A3A4"/>
-          </p15:clr>
-        </p15:guide>
-        <p15:guide id="2" pos="3864" userDrawn="1">
-          <p15:clr>
-            <a:srgbClr val="A4A3A4"/>
-          </p15:clr>
-        </p15:guide>
-      </p15:sldGuideLst>
-    </p:ext>
-  </p:extLst>
 </p:presentation>
 </file>
 
 <file path=ppt/slideLayouts/slideLayout1.xml><?xml version="1.0" encoding="utf-8"?>
-<p:sldLayout xmlns:a="http://schemas.openxmlformats.org/drawingml/2006/main" xmlns:r="http://schemas.openxmlformats.org/officeDocument/2006/relationships" xmlns:p="http://schemas.openxmlformats.org/presentationml/2006/main" showMasterSp="0" type="title" preserve="1">
+<p:sldLayout xmlns:a="http://schemas.openxmlformats.org/drawingml/2006/main" xmlns:r="http://schemas.openxmlformats.org/officeDocument/2006/relationships" xmlns:p="http://schemas.openxmlformats.org/presentationml/2006/main" type="title" preserve="1" showMasterSp="0">
   <p:cSld name="Title Slide">
     <p:spTree>
       <p:nvGrpSpPr>
@@ -361,7 +345,6 @@
           <a:p>
             <a:fld id="{5A069CB8-F204-4D06-B913-C5A26A89888A}" type="datetimeFigureOut">
               <a:rPr lang="en-US" dirty="0"/>
-              <a:t>1/20/2021</a:t>
             </a:fld>
             <a:endParaRPr lang="en-US" dirty="0"/>
           </a:p>
@@ -403,7 +386,6 @@
           <a:p>
             <a:fld id="{4FAB73BC-B049-4115-A692-8D63A059BFB8}" type="slidenum">
               <a:rPr lang="en-US" dirty="0"/>
-              <a:t>‹#›</a:t>
             </a:fld>
             <a:endParaRPr lang="en-US" dirty="0"/>
           </a:p>
@@ -522,6 +504,7 @@
               <a:rPr lang="en-US" altLang="zh-CN"/>
               <a:t>Click to edit Master text styles</a:t>
             </a:r>
+            <a:endParaRPr lang="en-US" altLang="zh-CN"/>
           </a:p>
           <a:p>
             <a:pPr lvl="1"/>
@@ -529,6 +512,7 @@
               <a:rPr lang="en-US" altLang="zh-CN"/>
               <a:t>Second level</a:t>
             </a:r>
+            <a:endParaRPr lang="en-US" altLang="zh-CN"/>
           </a:p>
           <a:p>
             <a:pPr lvl="2"/>
@@ -536,6 +520,7 @@
               <a:rPr lang="en-US" altLang="zh-CN"/>
               <a:t>Third level</a:t>
             </a:r>
+            <a:endParaRPr lang="en-US" altLang="zh-CN"/>
           </a:p>
           <a:p>
             <a:pPr lvl="3"/>
@@ -543,6 +528,7 @@
               <a:rPr lang="en-US" altLang="zh-CN"/>
               <a:t>Fourth level</a:t>
             </a:r>
+            <a:endParaRPr lang="en-US" altLang="zh-CN"/>
           </a:p>
           <a:p>
             <a:pPr lvl="4"/>
@@ -571,7 +557,6 @@
           <a:p>
             <a:fld id="{50B6E300-0A13-4A81-945A-7333C271A069}" type="datetimeFigureOut">
               <a:rPr lang="en-US" dirty="0"/>
-              <a:t>1/20/2021</a:t>
             </a:fld>
             <a:endParaRPr lang="en-US" dirty="0"/>
           </a:p>
@@ -613,7 +598,6 @@
           <a:p>
             <a:fld id="{4FAB73BC-B049-4115-A692-8D63A059BFB8}" type="slidenum">
               <a:rPr lang="en-US" dirty="0"/>
-              <a:t>‹#›</a:t>
             </a:fld>
             <a:endParaRPr lang="en-US" dirty="0"/>
           </a:p>
@@ -628,7 +612,7 @@
 </file>
 
 <file path=ppt/slideLayouts/slideLayout11.xml><?xml version="1.0" encoding="utf-8"?>
-<p:sldLayout xmlns:a="http://schemas.openxmlformats.org/drawingml/2006/main" xmlns:r="http://schemas.openxmlformats.org/officeDocument/2006/relationships" xmlns:p="http://schemas.openxmlformats.org/presentationml/2006/main" showMasterSp="0" type="vertTitleAndTx" preserve="1">
+<p:sldLayout xmlns:a="http://schemas.openxmlformats.org/drawingml/2006/main" xmlns:r="http://schemas.openxmlformats.org/officeDocument/2006/relationships" xmlns:p="http://schemas.openxmlformats.org/presentationml/2006/main" type="vertTitleAndTx" preserve="1" showMasterSp="0">
   <p:cSld name="Vertical Title and Text">
     <p:spTree>
       <p:nvGrpSpPr>
@@ -780,6 +764,7 @@
               <a:rPr lang="en-US" altLang="zh-CN"/>
               <a:t>Click to edit Master text styles</a:t>
             </a:r>
+            <a:endParaRPr lang="en-US" altLang="zh-CN"/>
           </a:p>
           <a:p>
             <a:pPr lvl="1"/>
@@ -787,6 +772,7 @@
               <a:rPr lang="en-US" altLang="zh-CN"/>
               <a:t>Second level</a:t>
             </a:r>
+            <a:endParaRPr lang="en-US" altLang="zh-CN"/>
           </a:p>
           <a:p>
             <a:pPr lvl="2"/>
@@ -794,6 +780,7 @@
               <a:rPr lang="en-US" altLang="zh-CN"/>
               <a:t>Third level</a:t>
             </a:r>
+            <a:endParaRPr lang="en-US" altLang="zh-CN"/>
           </a:p>
           <a:p>
             <a:pPr lvl="3"/>
@@ -801,6 +788,7 @@
               <a:rPr lang="en-US" altLang="zh-CN"/>
               <a:t>Fourth level</a:t>
             </a:r>
+            <a:endParaRPr lang="en-US" altLang="zh-CN"/>
           </a:p>
           <a:p>
             <a:pPr lvl="4"/>
@@ -829,7 +817,6 @@
           <a:p>
             <a:fld id="{34671962-1EA4-46E7-BCB0-F36CE46D1A59}" type="datetimeFigureOut">
               <a:rPr lang="en-US" dirty="0"/>
-              <a:t>1/20/2021</a:t>
             </a:fld>
             <a:endParaRPr lang="en-US" dirty="0"/>
           </a:p>
@@ -871,7 +858,6 @@
           <a:p>
             <a:fld id="{4FAB73BC-B049-4115-A692-8D63A059BFB8}" type="slidenum">
               <a:rPr lang="en-US" dirty="0"/>
-              <a:t>‹#›</a:t>
             </a:fld>
             <a:endParaRPr lang="en-US" dirty="0"/>
           </a:p>
@@ -952,6 +938,7 @@
               <a:rPr lang="en-US" altLang="zh-CN"/>
               <a:t>Click to edit Master text styles</a:t>
             </a:r>
+            <a:endParaRPr lang="en-US" altLang="zh-CN"/>
           </a:p>
           <a:p>
             <a:pPr lvl="1"/>
@@ -959,6 +946,7 @@
               <a:rPr lang="en-US" altLang="zh-CN"/>
               <a:t>Second level</a:t>
             </a:r>
+            <a:endParaRPr lang="en-US" altLang="zh-CN"/>
           </a:p>
           <a:p>
             <a:pPr lvl="2"/>
@@ -966,6 +954,7 @@
               <a:rPr lang="en-US" altLang="zh-CN"/>
               <a:t>Third level</a:t>
             </a:r>
+            <a:endParaRPr lang="en-US" altLang="zh-CN"/>
           </a:p>
           <a:p>
             <a:pPr lvl="3"/>
@@ -973,6 +962,7 @@
               <a:rPr lang="en-US" altLang="zh-CN"/>
               <a:t>Fourth level</a:t>
             </a:r>
+            <a:endParaRPr lang="en-US" altLang="zh-CN"/>
           </a:p>
           <a:p>
             <a:pPr lvl="4"/>
@@ -1001,7 +991,6 @@
           <a:p>
             <a:fld id="{D30BB376-B19C-488D-ABEB-03C7E6E9E3E0}" type="datetimeFigureOut">
               <a:rPr lang="en-US" dirty="0"/>
-              <a:t>1/20/2021</a:t>
             </a:fld>
             <a:endParaRPr lang="en-US" dirty="0"/>
           </a:p>
@@ -1043,7 +1032,6 @@
           <a:p>
             <a:fld id="{629637A9-119A-49DA-BD12-AAC58B377D80}" type="slidenum">
               <a:rPr lang="en-US" dirty="0"/>
-              <a:t>‹#›</a:t>
             </a:fld>
             <a:endParaRPr lang="en-US" dirty="0"/>
           </a:p>
@@ -1058,7 +1046,7 @@
 </file>
 
 <file path=ppt/slideLayouts/slideLayout3.xml><?xml version="1.0" encoding="utf-8"?>
-<p:sldLayout xmlns:a="http://schemas.openxmlformats.org/drawingml/2006/main" xmlns:r="http://schemas.openxmlformats.org/officeDocument/2006/relationships" xmlns:p="http://schemas.openxmlformats.org/presentationml/2006/main" showMasterSp="0" type="secHead" preserve="1">
+<p:sldLayout xmlns:a="http://schemas.openxmlformats.org/drawingml/2006/main" xmlns:r="http://schemas.openxmlformats.org/officeDocument/2006/relationships" xmlns:p="http://schemas.openxmlformats.org/presentationml/2006/main" type="secHead" preserve="1" showMasterSp="0">
   <p:cSld name="Section Header">
     <p:bg>
       <p:bgPr>
@@ -1321,6 +1309,7 @@
               <a:rPr lang="en-US" altLang="zh-CN"/>
               <a:t>Click to edit Master text styles</a:t>
             </a:r>
+            <a:endParaRPr lang="en-US" altLang="zh-CN"/>
           </a:p>
         </p:txBody>
       </p:sp>
@@ -1341,7 +1330,6 @@
           <a:p>
             <a:fld id="{486F077B-A50F-4D64-8574-E2D6A98A5553}" type="datetimeFigureOut">
               <a:rPr lang="en-US" dirty="0"/>
-              <a:t>1/20/2021</a:t>
             </a:fld>
             <a:endParaRPr lang="en-US" dirty="0"/>
           </a:p>
@@ -1383,7 +1371,6 @@
           <a:p>
             <a:fld id="{4FAB73BC-B049-4115-A692-8D63A059BFB8}" type="slidenum">
               <a:rPr lang="en-US" dirty="0"/>
-              <a:t>‹#›</a:t>
             </a:fld>
             <a:endParaRPr lang="en-US" dirty="0"/>
           </a:p>
@@ -1512,6 +1499,7 @@
               <a:rPr lang="en-US" altLang="zh-CN"/>
               <a:t>Click to edit Master text styles</a:t>
             </a:r>
+            <a:endParaRPr lang="en-US" altLang="zh-CN"/>
           </a:p>
           <a:p>
             <a:pPr lvl="1"/>
@@ -1519,6 +1507,7 @@
               <a:rPr lang="en-US" altLang="zh-CN"/>
               <a:t>Second level</a:t>
             </a:r>
+            <a:endParaRPr lang="en-US" altLang="zh-CN"/>
           </a:p>
           <a:p>
             <a:pPr lvl="2"/>
@@ -1526,6 +1515,7 @@
               <a:rPr lang="en-US" altLang="zh-CN"/>
               <a:t>Third level</a:t>
             </a:r>
+            <a:endParaRPr lang="en-US" altLang="zh-CN"/>
           </a:p>
           <a:p>
             <a:pPr lvl="3"/>
@@ -1533,6 +1523,7 @@
               <a:rPr lang="en-US" altLang="zh-CN"/>
               <a:t>Fourth level</a:t>
             </a:r>
+            <a:endParaRPr lang="en-US" altLang="zh-CN"/>
           </a:p>
           <a:p>
             <a:pPr lvl="4"/>
@@ -1569,6 +1560,7 @@
               <a:rPr lang="en-US" altLang="zh-CN"/>
               <a:t>Click to edit Master text styles</a:t>
             </a:r>
+            <a:endParaRPr lang="en-US" altLang="zh-CN"/>
           </a:p>
           <a:p>
             <a:pPr lvl="1"/>
@@ -1576,6 +1568,7 @@
               <a:rPr lang="en-US" altLang="zh-CN"/>
               <a:t>Second level</a:t>
             </a:r>
+            <a:endParaRPr lang="en-US" altLang="zh-CN"/>
           </a:p>
           <a:p>
             <a:pPr lvl="2"/>
@@ -1583,6 +1576,7 @@
               <a:rPr lang="en-US" altLang="zh-CN"/>
               <a:t>Third level</a:t>
             </a:r>
+            <a:endParaRPr lang="en-US" altLang="zh-CN"/>
           </a:p>
           <a:p>
             <a:pPr lvl="3"/>
@@ -1590,6 +1584,7 @@
               <a:rPr lang="en-US" altLang="zh-CN"/>
               <a:t>Fourth level</a:t>
             </a:r>
+            <a:endParaRPr lang="en-US" altLang="zh-CN"/>
           </a:p>
           <a:p>
             <a:pPr lvl="4"/>
@@ -1618,7 +1613,6 @@
           <a:p>
             <a:fld id="{7D9E2A62-1983-43A1-A163-D8AA46534C80}" type="datetimeFigureOut">
               <a:rPr lang="en-US" dirty="0"/>
-              <a:t>1/20/2021</a:t>
             </a:fld>
             <a:endParaRPr lang="en-US" dirty="0"/>
           </a:p>
@@ -1660,7 +1654,6 @@
           <a:p>
             <a:fld id="{4FAB73BC-B049-4115-A692-8D63A059BFB8}" type="slidenum">
               <a:rPr lang="en-US" dirty="0"/>
-              <a:t>‹#›</a:t>
             </a:fld>
             <a:endParaRPr lang="en-US" dirty="0"/>
           </a:p>
@@ -1794,6 +1787,7 @@
               <a:rPr lang="en-US" altLang="zh-CN"/>
               <a:t>Click to edit Master text styles</a:t>
             </a:r>
+            <a:endParaRPr lang="en-US" altLang="zh-CN"/>
           </a:p>
         </p:txBody>
       </p:sp>
@@ -1822,6 +1816,7 @@
               <a:rPr lang="en-US" altLang="zh-CN"/>
               <a:t>Click to edit Master text styles</a:t>
             </a:r>
+            <a:endParaRPr lang="en-US" altLang="zh-CN"/>
           </a:p>
           <a:p>
             <a:pPr lvl="1"/>
@@ -1829,6 +1824,7 @@
               <a:rPr lang="en-US" altLang="zh-CN"/>
               <a:t>Second level</a:t>
             </a:r>
+            <a:endParaRPr lang="en-US" altLang="zh-CN"/>
           </a:p>
           <a:p>
             <a:pPr lvl="2"/>
@@ -1836,6 +1832,7 @@
               <a:rPr lang="en-US" altLang="zh-CN"/>
               <a:t>Third level</a:t>
             </a:r>
+            <a:endParaRPr lang="en-US" altLang="zh-CN"/>
           </a:p>
           <a:p>
             <a:pPr lvl="3"/>
@@ -1843,6 +1840,7 @@
               <a:rPr lang="en-US" altLang="zh-CN"/>
               <a:t>Fourth level</a:t>
             </a:r>
+            <a:endParaRPr lang="en-US" altLang="zh-CN"/>
           </a:p>
           <a:p>
             <a:pPr lvl="4"/>
@@ -1922,6 +1920,7 @@
               <a:rPr lang="en-US" altLang="zh-CN"/>
               <a:t>Click to edit Master text styles</a:t>
             </a:r>
+            <a:endParaRPr lang="en-US" altLang="zh-CN"/>
           </a:p>
         </p:txBody>
       </p:sp>
@@ -1950,6 +1949,7 @@
               <a:rPr lang="en-US" altLang="zh-CN"/>
               <a:t>Click to edit Master text styles</a:t>
             </a:r>
+            <a:endParaRPr lang="en-US" altLang="zh-CN"/>
           </a:p>
           <a:p>
             <a:pPr lvl="1"/>
@@ -1957,6 +1957,7 @@
               <a:rPr lang="en-US" altLang="zh-CN"/>
               <a:t>Second level</a:t>
             </a:r>
+            <a:endParaRPr lang="en-US" altLang="zh-CN"/>
           </a:p>
           <a:p>
             <a:pPr lvl="2"/>
@@ -1964,6 +1965,7 @@
               <a:rPr lang="en-US" altLang="zh-CN"/>
               <a:t>Third level</a:t>
             </a:r>
+            <a:endParaRPr lang="en-US" altLang="zh-CN"/>
           </a:p>
           <a:p>
             <a:pPr lvl="3"/>
@@ -1971,6 +1973,7 @@
               <a:rPr lang="en-US" altLang="zh-CN"/>
               <a:t>Fourth level</a:t>
             </a:r>
+            <a:endParaRPr lang="en-US" altLang="zh-CN"/>
           </a:p>
           <a:p>
             <a:pPr lvl="4"/>
@@ -1999,7 +2002,6 @@
           <a:p>
             <a:fld id="{898F3E3B-34E3-4345-B2A1-994B83598A9C}" type="datetimeFigureOut">
               <a:rPr lang="en-US" dirty="0"/>
-              <a:t>1/20/2021</a:t>
             </a:fld>
             <a:endParaRPr lang="en-US" dirty="0"/>
           </a:p>
@@ -2041,7 +2043,6 @@
           <a:p>
             <a:fld id="{4FAB73BC-B049-4115-A692-8D63A059BFB8}" type="slidenum">
               <a:rPr lang="en-US" dirty="0"/>
-              <a:t>‹#›</a:t>
             </a:fld>
             <a:endParaRPr lang="en-US" dirty="0"/>
           </a:p>
@@ -2119,7 +2120,6 @@
           <a:p>
             <a:fld id="{FD816C96-82A1-4D77-8ADA-627AC6FE3D65}" type="datetimeFigureOut">
               <a:rPr lang="en-US" dirty="0"/>
-              <a:t>1/20/2021</a:t>
             </a:fld>
             <a:endParaRPr lang="en-US" dirty="0"/>
           </a:p>
@@ -2161,7 +2161,6 @@
           <a:p>
             <a:fld id="{4FAB73BC-B049-4115-A692-8D63A059BFB8}" type="slidenum">
               <a:rPr lang="en-US" dirty="0"/>
-              <a:t>‹#›</a:t>
             </a:fld>
             <a:endParaRPr lang="en-US" dirty="0"/>
           </a:p>
@@ -2176,7 +2175,7 @@
 </file>
 
 <file path=ppt/slideLayouts/slideLayout7.xml><?xml version="1.0" encoding="utf-8"?>
-<p:sldLayout xmlns:a="http://schemas.openxmlformats.org/drawingml/2006/main" xmlns:r="http://schemas.openxmlformats.org/officeDocument/2006/relationships" xmlns:p="http://schemas.openxmlformats.org/presentationml/2006/main" showMasterSp="0" type="blank" preserve="1">
+<p:sldLayout xmlns:a="http://schemas.openxmlformats.org/drawingml/2006/main" xmlns:r="http://schemas.openxmlformats.org/officeDocument/2006/relationships" xmlns:p="http://schemas.openxmlformats.org/presentationml/2006/main" type="blank" preserve="1" showMasterSp="0">
   <p:cSld name="Blank">
     <p:spTree>
       <p:nvGrpSpPr>
@@ -2285,7 +2284,6 @@
           <a:p>
             <a:fld id="{1D102C1E-28F2-47E9-802D-339E64E2F920}" type="datetimeFigureOut">
               <a:rPr lang="en-US" dirty="0"/>
-              <a:t>1/20/2021</a:t>
             </a:fld>
             <a:endParaRPr lang="en-US" dirty="0"/>
           </a:p>
@@ -2335,8 +2333,6 @@
           <a:p>
             <a:fld id="{4FAB73BC-B049-4115-A692-8D63A059BFB8}" type="slidenum">
               <a:rPr lang="en-US" dirty="0"/>
-              <a:pPr/>
-              <a:t>‹#›</a:t>
             </a:fld>
             <a:endParaRPr lang="en-US" dirty="0"/>
           </a:p>
@@ -2351,7 +2347,7 @@
 </file>
 
 <file path=ppt/slideLayouts/slideLayout8.xml><?xml version="1.0" encoding="utf-8"?>
-<p:sldLayout xmlns:a="http://schemas.openxmlformats.org/drawingml/2006/main" xmlns:r="http://schemas.openxmlformats.org/officeDocument/2006/relationships" xmlns:p="http://schemas.openxmlformats.org/presentationml/2006/main" showMasterSp="0" type="objTx" preserve="1">
+<p:sldLayout xmlns:a="http://schemas.openxmlformats.org/drawingml/2006/main" xmlns:r="http://schemas.openxmlformats.org/officeDocument/2006/relationships" xmlns:p="http://schemas.openxmlformats.org/presentationml/2006/main" type="objTx" preserve="1" showMasterSp="0">
   <p:cSld name="Content with Caption">
     <p:spTree>
       <p:nvGrpSpPr>
@@ -2508,6 +2504,7 @@
               <a:rPr lang="en-US" altLang="zh-CN"/>
               <a:t>Click to edit Master text styles</a:t>
             </a:r>
+            <a:endParaRPr lang="en-US" altLang="zh-CN"/>
           </a:p>
           <a:p>
             <a:pPr lvl="1"/>
@@ -2515,6 +2512,7 @@
               <a:rPr lang="en-US" altLang="zh-CN"/>
               <a:t>Second level</a:t>
             </a:r>
+            <a:endParaRPr lang="en-US" altLang="zh-CN"/>
           </a:p>
           <a:p>
             <a:pPr lvl="2"/>
@@ -2522,6 +2520,7 @@
               <a:rPr lang="en-US" altLang="zh-CN"/>
               <a:t>Third level</a:t>
             </a:r>
+            <a:endParaRPr lang="en-US" altLang="zh-CN"/>
           </a:p>
           <a:p>
             <a:pPr lvl="3"/>
@@ -2529,6 +2528,7 @@
               <a:rPr lang="en-US" altLang="zh-CN"/>
               <a:t>Fourth level</a:t>
             </a:r>
+            <a:endParaRPr lang="en-US" altLang="zh-CN"/>
           </a:p>
           <a:p>
             <a:pPr lvl="4"/>
@@ -2608,6 +2608,7 @@
               <a:rPr lang="en-US" altLang="zh-CN"/>
               <a:t>Click to edit Master text styles</a:t>
             </a:r>
+            <a:endParaRPr lang="en-US" altLang="zh-CN"/>
           </a:p>
         </p:txBody>
       </p:sp>
@@ -2637,7 +2638,6 @@
           <a:p>
             <a:fld id="{24271A48-F18A-45B3-BC05-1E27DA3F88AF}" type="datetimeFigureOut">
               <a:rPr lang="en-US" dirty="0"/>
-              <a:t>1/20/2021</a:t>
             </a:fld>
             <a:endParaRPr lang="en-US" dirty="0"/>
           </a:p>
@@ -2700,8 +2700,6 @@
           <a:p>
             <a:fld id="{4FAB73BC-B049-4115-A692-8D63A059BFB8}" type="slidenum">
               <a:rPr lang="en-US" dirty="0"/>
-              <a:pPr/>
-              <a:t>‹#›</a:t>
             </a:fld>
             <a:endParaRPr lang="en-US" dirty="0"/>
           </a:p>
@@ -2716,7 +2714,7 @@
 </file>
 
 <file path=ppt/slideLayouts/slideLayout9.xml><?xml version="1.0" encoding="utf-8"?>
-<p:sldLayout xmlns:a="http://schemas.openxmlformats.org/drawingml/2006/main" xmlns:r="http://schemas.openxmlformats.org/officeDocument/2006/relationships" xmlns:p="http://schemas.openxmlformats.org/presentationml/2006/main" showMasterSp="0" type="picTx" preserve="1">
+<p:sldLayout xmlns:a="http://schemas.openxmlformats.org/drawingml/2006/main" xmlns:r="http://schemas.openxmlformats.org/officeDocument/2006/relationships" xmlns:p="http://schemas.openxmlformats.org/presentationml/2006/main" type="picTx" preserve="1" showMasterSp="0">
   <p:cSld name="Picture with Caption">
     <p:spTree>
       <p:nvGrpSpPr>
@@ -2992,6 +2990,7 @@
               <a:rPr lang="en-US" altLang="zh-CN"/>
               <a:t>Click to edit Master text styles</a:t>
             </a:r>
+            <a:endParaRPr lang="en-US" altLang="zh-CN"/>
           </a:p>
         </p:txBody>
       </p:sp>
@@ -3012,7 +3011,6 @@
           <a:p>
             <a:fld id="{65B747F8-9654-4282-85D2-65F41AAE7A75}" type="datetimeFigureOut">
               <a:rPr lang="en-US" dirty="0"/>
-              <a:t>1/20/2021</a:t>
             </a:fld>
             <a:endParaRPr lang="en-US" dirty="0"/>
           </a:p>
@@ -3054,7 +3052,6 @@
           <a:p>
             <a:fld id="{4FAB73BC-B049-4115-A692-8D63A059BFB8}" type="slidenum">
               <a:rPr lang="en-US" dirty="0"/>
-              <a:t>‹#›</a:t>
             </a:fld>
             <a:endParaRPr lang="en-US" dirty="0"/>
           </a:p>
@@ -3229,6 +3226,7 @@
               <a:rPr lang="en-US" altLang="zh-CN"/>
               <a:t>Click to edit Master text styles</a:t>
             </a:r>
+            <a:endParaRPr lang="en-US" altLang="zh-CN"/>
           </a:p>
           <a:p>
             <a:pPr lvl="1"/>
@@ -3236,6 +3234,7 @@
               <a:rPr lang="en-US" altLang="zh-CN"/>
               <a:t>Second level</a:t>
             </a:r>
+            <a:endParaRPr lang="en-US" altLang="zh-CN"/>
           </a:p>
           <a:p>
             <a:pPr lvl="2"/>
@@ -3243,6 +3242,7 @@
               <a:rPr lang="en-US" altLang="zh-CN"/>
               <a:t>Third level</a:t>
             </a:r>
+            <a:endParaRPr lang="en-US" altLang="zh-CN"/>
           </a:p>
           <a:p>
             <a:pPr lvl="3"/>
@@ -3250,6 +3250,7 @@
               <a:rPr lang="en-US" altLang="zh-CN"/>
               <a:t>Fourth level</a:t>
             </a:r>
+            <a:endParaRPr lang="en-US" altLang="zh-CN"/>
           </a:p>
           <a:p>
             <a:pPr lvl="4"/>
@@ -3294,7 +3295,6 @@
           <a:p>
             <a:fld id="{5DC5B261-8843-42D1-AAFC-05E20E2D9B97}" type="datetimeFigureOut">
               <a:rPr lang="en-US" dirty="0"/>
-              <a:t>1/20/2021</a:t>
             </a:fld>
             <a:endParaRPr lang="en-US" dirty="0"/>
           </a:p>
@@ -3368,8 +3368,6 @@
           <a:p>
             <a:fld id="{4FAB73BC-B049-4115-A692-8D63A059BFB8}" type="slidenum">
               <a:rPr lang="en-US" dirty="0"/>
-              <a:pPr/>
-              <a:t>‹#›</a:t>
             </a:fld>
             <a:endParaRPr lang="en-US" dirty="0"/>
           </a:p>
@@ -3418,7 +3416,7 @@
   <p:clrMap bg1="lt1" tx1="dk1" bg2="lt2" tx2="dk2" accent1="accent1" accent2="accent2" accent3="accent3" accent4="accent4" accent5="accent5" accent6="accent6" hlink="hlink" folHlink="folHlink"/>
   <p:sldLayoutIdLst>
     <p:sldLayoutId id="2147483649" r:id="rId1"/>
-    <p:sldLayoutId id="2147483660" r:id="rId2"/>
+    <p:sldLayoutId id="2147483650" r:id="rId2"/>
     <p:sldLayoutId id="2147483651" r:id="rId3"/>
     <p:sldLayoutId id="2147483652" r:id="rId4"/>
     <p:sldLayoutId id="2147483653" r:id="rId5"/>
@@ -3482,7 +3480,7 @@
           <a:cs typeface="+mn-cs"/>
         </a:defRPr>
       </a:lvl1pPr>
-      <a:lvl2pPr marL="384048" indent="-182880" algn="l" defTabSz="914400" rtl="0" eaLnBrk="1" latinLnBrk="0" hangingPunct="1">
+      <a:lvl2pPr marL="384175" indent="-182880" algn="l" defTabSz="914400" rtl="0" eaLnBrk="1" latinLnBrk="0" hangingPunct="1">
         <a:lnSpc>
           <a:spcPct val="90000"/>
         </a:lnSpc>
@@ -3495,7 +3493,7 @@
         <a:buClr>
           <a:schemeClr val="accent1"/>
         </a:buClr>
-        <a:buFont typeface="Calibri" pitchFamily="34" charset="0"/>
+        <a:buFont typeface="Calibri" panose="020F0502020204030204" pitchFamily="34" charset="0"/>
         <a:buChar char="◦"/>
         <a:defRPr sz="1800" kern="1200">
           <a:solidFill>
@@ -3509,7 +3507,7 @@
           <a:cs typeface="+mn-cs"/>
         </a:defRPr>
       </a:lvl2pPr>
-      <a:lvl3pPr marL="566928" indent="-182880" algn="l" defTabSz="914400" rtl="0" eaLnBrk="1" latinLnBrk="0" hangingPunct="1">
+      <a:lvl3pPr marL="567055" indent="-182880" algn="l" defTabSz="914400" rtl="0" eaLnBrk="1" latinLnBrk="0" hangingPunct="1">
         <a:lnSpc>
           <a:spcPct val="90000"/>
         </a:lnSpc>
@@ -3522,7 +3520,7 @@
         <a:buClr>
           <a:schemeClr val="accent1"/>
         </a:buClr>
-        <a:buFont typeface="Calibri" pitchFamily="34" charset="0"/>
+        <a:buFont typeface="Calibri" panose="020F0502020204030204" pitchFamily="34" charset="0"/>
         <a:buChar char="◦"/>
         <a:defRPr sz="1400" kern="1200">
           <a:solidFill>
@@ -3536,7 +3534,7 @@
           <a:cs typeface="+mn-cs"/>
         </a:defRPr>
       </a:lvl3pPr>
-      <a:lvl4pPr marL="749808" indent="-182880" algn="l" defTabSz="914400" rtl="0" eaLnBrk="1" latinLnBrk="0" hangingPunct="1">
+      <a:lvl4pPr marL="749935" indent="-182880" algn="l" defTabSz="914400" rtl="0" eaLnBrk="1" latinLnBrk="0" hangingPunct="1">
         <a:lnSpc>
           <a:spcPct val="90000"/>
         </a:lnSpc>
@@ -3549,7 +3547,7 @@
         <a:buClr>
           <a:schemeClr val="accent1"/>
         </a:buClr>
-        <a:buFont typeface="Calibri" pitchFamily="34" charset="0"/>
+        <a:buFont typeface="Calibri" panose="020F0502020204030204" pitchFamily="34" charset="0"/>
         <a:buChar char="◦"/>
         <a:defRPr sz="1400" kern="1200">
           <a:solidFill>
@@ -3563,7 +3561,7 @@
           <a:cs typeface="+mn-cs"/>
         </a:defRPr>
       </a:lvl4pPr>
-      <a:lvl5pPr marL="932688" indent="-182880" algn="l" defTabSz="914400" rtl="0" eaLnBrk="1" latinLnBrk="0" hangingPunct="1">
+      <a:lvl5pPr marL="932815" indent="-182880" algn="l" defTabSz="914400" rtl="0" eaLnBrk="1" latinLnBrk="0" hangingPunct="1">
         <a:lnSpc>
           <a:spcPct val="90000"/>
         </a:lnSpc>
@@ -3576,7 +3574,7 @@
         <a:buClr>
           <a:schemeClr val="accent1"/>
         </a:buClr>
-        <a:buFont typeface="Calibri" pitchFamily="34" charset="0"/>
+        <a:buFont typeface="Calibri" panose="020F0502020204030204" pitchFamily="34" charset="0"/>
         <a:buChar char="◦"/>
         <a:defRPr sz="1400" kern="1200">
           <a:solidFill>
@@ -3590,7 +3588,7 @@
           <a:cs typeface="+mn-cs"/>
         </a:defRPr>
       </a:lvl5pPr>
-      <a:lvl6pPr marL="1100000" indent="-228600" algn="l" defTabSz="914400" rtl="0" eaLnBrk="1" latinLnBrk="0" hangingPunct="1">
+      <a:lvl6pPr marL="1099820" indent="-228600" algn="l" defTabSz="914400" rtl="0" eaLnBrk="1" latinLnBrk="0" hangingPunct="1">
         <a:lnSpc>
           <a:spcPct val="90000"/>
         </a:lnSpc>
@@ -3603,7 +3601,7 @@
         <a:buClr>
           <a:schemeClr val="accent1"/>
         </a:buClr>
-        <a:buFont typeface="Calibri" pitchFamily="34" charset="0"/>
+        <a:buFont typeface="Calibri" panose="020F0502020204030204" pitchFamily="34" charset="0"/>
         <a:buChar char="◦"/>
         <a:defRPr sz="1400" kern="1200">
           <a:solidFill>
@@ -3617,7 +3615,7 @@
           <a:cs typeface="+mn-cs"/>
         </a:defRPr>
       </a:lvl6pPr>
-      <a:lvl7pPr marL="1300000" indent="-228600" algn="l" defTabSz="914400" rtl="0" eaLnBrk="1" latinLnBrk="0" hangingPunct="1">
+      <a:lvl7pPr marL="1299845" indent="-228600" algn="l" defTabSz="914400" rtl="0" eaLnBrk="1" latinLnBrk="0" hangingPunct="1">
         <a:lnSpc>
           <a:spcPct val="90000"/>
         </a:lnSpc>
@@ -3630,7 +3628,7 @@
         <a:buClr>
           <a:schemeClr val="accent1"/>
         </a:buClr>
-        <a:buFont typeface="Calibri" pitchFamily="34" charset="0"/>
+        <a:buFont typeface="Calibri" panose="020F0502020204030204" pitchFamily="34" charset="0"/>
         <a:buChar char="◦"/>
         <a:defRPr sz="1400" kern="1200">
           <a:solidFill>
@@ -3644,7 +3642,7 @@
           <a:cs typeface="+mn-cs"/>
         </a:defRPr>
       </a:lvl7pPr>
-      <a:lvl8pPr marL="1500000" indent="-228600" algn="l" defTabSz="914400" rtl="0" eaLnBrk="1" latinLnBrk="0" hangingPunct="1">
+      <a:lvl8pPr marL="1499870" indent="-228600" algn="l" defTabSz="914400" rtl="0" eaLnBrk="1" latinLnBrk="0" hangingPunct="1">
         <a:lnSpc>
           <a:spcPct val="90000"/>
         </a:lnSpc>
@@ -3657,7 +3655,7 @@
         <a:buClr>
           <a:schemeClr val="accent1"/>
         </a:buClr>
-        <a:buFont typeface="Calibri" pitchFamily="34" charset="0"/>
+        <a:buFont typeface="Calibri" panose="020F0502020204030204" pitchFamily="34" charset="0"/>
         <a:buChar char="◦"/>
         <a:defRPr sz="1400" kern="1200">
           <a:solidFill>
@@ -3671,7 +3669,7 @@
           <a:cs typeface="+mn-cs"/>
         </a:defRPr>
       </a:lvl8pPr>
-      <a:lvl9pPr marL="1700000" indent="-228600" algn="l" defTabSz="914400" rtl="0" eaLnBrk="1" latinLnBrk="0" hangingPunct="1">
+      <a:lvl9pPr marL="1699895" indent="-228600" algn="l" defTabSz="914400" rtl="0" eaLnBrk="1" latinLnBrk="0" hangingPunct="1">
         <a:lnSpc>
           <a:spcPct val="90000"/>
         </a:lnSpc>
@@ -3684,7 +3682,7 @@
         <a:buClr>
           <a:schemeClr val="accent1"/>
         </a:buClr>
-        <a:buFont typeface="Calibri" pitchFamily="34" charset="0"/>
+        <a:buFont typeface="Calibri" panose="020F0502020204030204" pitchFamily="34" charset="0"/>
         <a:buChar char="◦"/>
         <a:defRPr sz="1400" kern="1200">
           <a:solidFill>
@@ -3817,13 +3815,7 @@
       </p:grpSpPr>
       <p:sp>
         <p:nvSpPr>
-          <p:cNvPr id="2" name="Title 1">
-            <a:extLst>
-              <a:ext uri="{FF2B5EF4-FFF2-40B4-BE49-F238E27FC236}">
-                <a16:creationId xmlns:a16="http://schemas.microsoft.com/office/drawing/2014/main" id="{93EAF6DD-0F1A-4B8A-8705-AADCC8A829B4}"/>
-              </a:ext>
-            </a:extLst>
-          </p:cNvPr>
+          <p:cNvPr id="2" name="Title 1"/>
           <p:cNvSpPr>
             <a:spLocks noGrp="1"/>
           </p:cNvSpPr>
@@ -3852,13 +3844,7 @@
       </p:sp>
       <p:sp>
         <p:nvSpPr>
-          <p:cNvPr id="3" name="Subtitle 2">
-            <a:extLst>
-              <a:ext uri="{FF2B5EF4-FFF2-40B4-BE49-F238E27FC236}">
-                <a16:creationId xmlns:a16="http://schemas.microsoft.com/office/drawing/2014/main" id="{63E1F9D8-B804-494F-8366-8BC9A59C3FB8}"/>
-              </a:ext>
-            </a:extLst>
-          </p:cNvPr>
+          <p:cNvPr id="3" name="Subtitle 2"/>
           <p:cNvSpPr>
             <a:spLocks noGrp="1"/>
           </p:cNvSpPr>
@@ -3891,11 +3877,6 @@
         </p:txBody>
       </p:sp>
     </p:spTree>
-    <p:extLst>
-      <p:ext uri="{BB962C8B-B14F-4D97-AF65-F5344CB8AC3E}">
-        <p14:creationId xmlns:p14="http://schemas.microsoft.com/office/powerpoint/2010/main" val="1897049084"/>
-      </p:ext>
-    </p:extLst>
   </p:cSld>
   <p:clrMapOvr>
     <a:masterClrMapping/>
@@ -3922,13 +3903,7 @@
       </p:grpSpPr>
       <p:sp>
         <p:nvSpPr>
-          <p:cNvPr id="2" name="Title 1">
-            <a:extLst>
-              <a:ext uri="{FF2B5EF4-FFF2-40B4-BE49-F238E27FC236}">
-                <a16:creationId xmlns:a16="http://schemas.microsoft.com/office/drawing/2014/main" id="{E830124D-1CA6-4400-8107-E5E0A741A6C5}"/>
-              </a:ext>
-            </a:extLst>
-          </p:cNvPr>
+          <p:cNvPr id="2" name="Title 1"/>
           <p:cNvSpPr>
             <a:spLocks noGrp="1"/>
           </p:cNvSpPr>
@@ -3953,18 +3928,13 @@
               <a:rPr lang="zh-CN" altLang="en-US" dirty="0"/>
               <a:t>）</a:t>
             </a:r>
-          </a:p>
-        </p:txBody>
-      </p:sp>
-      <p:sp>
-        <p:nvSpPr>
-          <p:cNvPr id="3" name="Content Placeholder 2">
-            <a:extLst>
-              <a:ext uri="{FF2B5EF4-FFF2-40B4-BE49-F238E27FC236}">
-                <a16:creationId xmlns:a16="http://schemas.microsoft.com/office/drawing/2014/main" id="{163B7940-9032-4D51-A1F5-D51F7DF42BD2}"/>
-              </a:ext>
-            </a:extLst>
-          </p:cNvPr>
+            <a:endParaRPr lang="zh-CN" altLang="en-US" dirty="0"/>
+          </a:p>
+        </p:txBody>
+      </p:sp>
+      <p:sp>
+        <p:nvSpPr>
+          <p:cNvPr id="3" name="Content Placeholder 2"/>
           <p:cNvSpPr>
             <a:spLocks noGrp="1"/>
           </p:cNvSpPr>
@@ -4031,6 +4001,7 @@
               <a:rPr lang="en-US" altLang="zh-CN" dirty="0"/>
               <a:t>', {b: 2}, null, true, [1, ,3]]</a:t>
             </a:r>
+            <a:endParaRPr lang="en-US" altLang="zh-CN" dirty="0"/>
           </a:p>
           <a:p>
             <a:pPr>
@@ -4053,6 +4024,7 @@
               <a:rPr lang="en-US" altLang="zh-CN" dirty="0"/>
               <a:t>new Array(&lt;length&gt;)</a:t>
             </a:r>
+            <a:endParaRPr lang="en-US" altLang="zh-CN" dirty="0"/>
           </a:p>
           <a:p>
             <a:pPr>
@@ -4090,6 +4062,7 @@
               <a:rPr lang="zh-CN" altLang="en-US" dirty="0"/>
               <a:t>来修改数组的属性</a:t>
             </a:r>
+            <a:endParaRPr lang="zh-CN" altLang="en-US" dirty="0"/>
           </a:p>
           <a:p>
             <a:endParaRPr lang="en-US" altLang="zh-CN" dirty="0"/>
@@ -4117,7 +4090,7 @@
             <a:pPr lvl="1"/>
             <a:r>
               <a:rPr lang="en-US" altLang="zh-CN" dirty="0">
-                <a:hlinkClick r:id="rId2"/>
+                <a:hlinkClick r:id="rId1"/>
               </a:rPr>
               <a:t>https://developer.mozilla.org/en-US/docs/Web/JavaScript/Reference/Global_Objects/Array</a:t>
             </a:r>
@@ -4129,11 +4102,6 @@
         </p:txBody>
       </p:sp>
     </p:spTree>
-    <p:extLst>
-      <p:ext uri="{BB962C8B-B14F-4D97-AF65-F5344CB8AC3E}">
-        <p14:creationId xmlns:p14="http://schemas.microsoft.com/office/powerpoint/2010/main" val="629027763"/>
-      </p:ext>
-    </p:extLst>
   </p:cSld>
   <p:clrMapOvr>
     <a:masterClrMapping/>
@@ -4160,13 +4128,7 @@
       </p:grpSpPr>
       <p:sp>
         <p:nvSpPr>
-          <p:cNvPr id="2" name="Title 1">
-            <a:extLst>
-              <a:ext uri="{FF2B5EF4-FFF2-40B4-BE49-F238E27FC236}">
-                <a16:creationId xmlns:a16="http://schemas.microsoft.com/office/drawing/2014/main" id="{A27BCCE1-FE66-495D-A534-10DED49BD9DC}"/>
-              </a:ext>
-            </a:extLst>
-          </p:cNvPr>
+          <p:cNvPr id="2" name="Title 1"/>
           <p:cNvSpPr>
             <a:spLocks noGrp="1"/>
           </p:cNvSpPr>
@@ -4191,18 +4153,13 @@
               <a:rPr lang="zh-CN" altLang="en-US" dirty="0"/>
               <a:t>）</a:t>
             </a:r>
-          </a:p>
-        </p:txBody>
-      </p:sp>
-      <p:sp>
-        <p:nvSpPr>
-          <p:cNvPr id="3" name="Content Placeholder 2">
-            <a:extLst>
-              <a:ext uri="{FF2B5EF4-FFF2-40B4-BE49-F238E27FC236}">
-                <a16:creationId xmlns:a16="http://schemas.microsoft.com/office/drawing/2014/main" id="{2214F52B-E694-4395-B45F-3A490909619C}"/>
-              </a:ext>
-            </a:extLst>
-          </p:cNvPr>
+            <a:endParaRPr lang="zh-CN" altLang="en-US" dirty="0"/>
+          </a:p>
+        </p:txBody>
+      </p:sp>
+      <p:sp>
+        <p:nvSpPr>
+          <p:cNvPr id="3" name="Content Placeholder 2"/>
           <p:cNvSpPr>
             <a:spLocks noGrp="1"/>
           </p:cNvSpPr>
@@ -4223,6 +4180,7 @@
               <a:rPr lang="en-US" altLang="zh-CN" dirty="0"/>
               <a:t>Object</a:t>
             </a:r>
+            <a:endParaRPr lang="en-US" altLang="zh-CN" dirty="0"/>
           </a:p>
           <a:p>
             <a:pPr lvl="1">
@@ -4263,6 +4221,7 @@
               <a:rPr lang="en-US" altLang="zh-CN" dirty="0"/>
               <a:t>function a() { … }</a:t>
             </a:r>
+            <a:endParaRPr lang="en-US" altLang="zh-CN" dirty="0"/>
           </a:p>
           <a:p>
             <a:pPr>
@@ -4361,11 +4320,6 @@
         </p:txBody>
       </p:sp>
     </p:spTree>
-    <p:extLst>
-      <p:ext uri="{BB962C8B-B14F-4D97-AF65-F5344CB8AC3E}">
-        <p14:creationId xmlns:p14="http://schemas.microsoft.com/office/powerpoint/2010/main" val="3415711119"/>
-      </p:ext>
-    </p:extLst>
   </p:cSld>
   <p:clrMapOvr>
     <a:masterClrMapping/>
@@ -4392,13 +4346,7 @@
       </p:grpSpPr>
       <p:sp>
         <p:nvSpPr>
-          <p:cNvPr id="2" name="Title 1">
-            <a:extLst>
-              <a:ext uri="{FF2B5EF4-FFF2-40B4-BE49-F238E27FC236}">
-                <a16:creationId xmlns:a16="http://schemas.microsoft.com/office/drawing/2014/main" id="{34797B2F-1728-4037-A9CA-4FCB99C0870E}"/>
-              </a:ext>
-            </a:extLst>
-          </p:cNvPr>
+          <p:cNvPr id="2" name="Title 1"/>
           <p:cNvSpPr>
             <a:spLocks noGrp="1"/>
           </p:cNvSpPr>
@@ -4423,18 +4371,13 @@
               <a:rPr lang="zh-CN" altLang="en-US" dirty="0"/>
               <a:t>）</a:t>
             </a:r>
-          </a:p>
-        </p:txBody>
-      </p:sp>
-      <p:sp>
-        <p:nvSpPr>
-          <p:cNvPr id="3" name="Content Placeholder 2">
-            <a:extLst>
-              <a:ext uri="{FF2B5EF4-FFF2-40B4-BE49-F238E27FC236}">
-                <a16:creationId xmlns:a16="http://schemas.microsoft.com/office/drawing/2014/main" id="{8FBE2955-0FAD-4AEA-8B87-CF97C8A46858}"/>
-              </a:ext>
-            </a:extLst>
-          </p:cNvPr>
+            <a:endParaRPr lang="zh-CN" altLang="en-US" dirty="0"/>
+          </a:p>
+        </p:txBody>
+      </p:sp>
+      <p:sp>
+        <p:nvSpPr>
+          <p:cNvPr id="3" name="Content Placeholder 2"/>
           <p:cNvSpPr>
             <a:spLocks noGrp="1"/>
           </p:cNvSpPr>
@@ -4561,6 +4504,7 @@
               <a:rPr lang="en-US" altLang="zh-CN" dirty="0"/>
               <a:t>TODO</a:t>
             </a:r>
+            <a:endParaRPr lang="en-US" altLang="zh-CN" dirty="0"/>
           </a:p>
           <a:p>
             <a:pPr lvl="1">
@@ -4589,8 +4533,9 @@
             </a:r>
             <a:r>
               <a:rPr lang="en-US" altLang="zh-CN" dirty="0"/>
-              <a:t>/!* … */</a:t>
-            </a:r>
+              <a:t>/*! … */</a:t>
+            </a:r>
+            <a:endParaRPr lang="en-US" altLang="zh-CN" dirty="0"/>
           </a:p>
           <a:p>
             <a:pPr>
@@ -4677,11 +4622,6 @@
         </p:txBody>
       </p:sp>
     </p:spTree>
-    <p:extLst>
-      <p:ext uri="{BB962C8B-B14F-4D97-AF65-F5344CB8AC3E}">
-        <p14:creationId xmlns:p14="http://schemas.microsoft.com/office/powerpoint/2010/main" val="3947885208"/>
-      </p:ext>
-    </p:extLst>
   </p:cSld>
   <p:clrMapOvr>
     <a:masterClrMapping/>
@@ -4708,13 +4648,7 @@
       </p:grpSpPr>
       <p:sp>
         <p:nvSpPr>
-          <p:cNvPr id="2" name="Title 1">
-            <a:extLst>
-              <a:ext uri="{FF2B5EF4-FFF2-40B4-BE49-F238E27FC236}">
-                <a16:creationId xmlns:a16="http://schemas.microsoft.com/office/drawing/2014/main" id="{71D3A5DF-7B61-4F17-92B2-B6FC1B602F80}"/>
-              </a:ext>
-            </a:extLst>
-          </p:cNvPr>
+          <p:cNvPr id="2" name="Title 1"/>
           <p:cNvSpPr>
             <a:spLocks noGrp="1"/>
           </p:cNvSpPr>
@@ -4747,28 +4681,18 @@
               <a:rPr lang="zh-CN" altLang="en-US" dirty="0"/>
               <a:t>）</a:t>
             </a:r>
+            <a:endParaRPr lang="zh-CN" altLang="en-US" dirty="0"/>
           </a:p>
         </p:txBody>
       </p:sp>
       <p:graphicFrame>
         <p:nvGraphicFramePr>
-          <p:cNvPr id="4" name="Table 4">
-            <a:extLst>
-              <a:ext uri="{FF2B5EF4-FFF2-40B4-BE49-F238E27FC236}">
-                <a16:creationId xmlns:a16="http://schemas.microsoft.com/office/drawing/2014/main" id="{343CDBA7-6E47-4622-B125-331D48FD8673}"/>
-              </a:ext>
-            </a:extLst>
-          </p:cNvPr>
+          <p:cNvPr id="4" name="Table 4"/>
           <p:cNvGraphicFramePr>
             <a:graphicFrameLocks noGrp="1"/>
           </p:cNvGraphicFramePr>
           <p:nvPr>
             <p:ph idx="1"/>
-            <p:extLst>
-              <p:ext uri="{D42A27DB-BD31-4B8C-83A1-F6EECF244321}">
-                <p14:modId xmlns:p14="http://schemas.microsoft.com/office/powerpoint/2010/main" val="2979765147"/>
-              </p:ext>
-            </p:extLst>
           </p:nvPr>
         </p:nvGraphicFramePr>
         <p:xfrm>
@@ -4782,55 +4706,13 @@
                 <a:tableStyleId>{2D5ABB26-0587-4C30-8999-92F81FD0307C}</a:tableStyleId>
               </a:tblPr>
               <a:tblGrid>
-                <a:gridCol w="1436914">
-                  <a:extLst>
-                    <a:ext uri="{9D8B030D-6E8A-4147-A177-3AD203B41FA5}">
-                      <a16:colId xmlns:a16="http://schemas.microsoft.com/office/drawing/2014/main" val="2586278980"/>
-                    </a:ext>
-                  </a:extLst>
-                </a:gridCol>
-                <a:gridCol w="1436914">
-                  <a:extLst>
-                    <a:ext uri="{9D8B030D-6E8A-4147-A177-3AD203B41FA5}">
-                      <a16:colId xmlns:a16="http://schemas.microsoft.com/office/drawing/2014/main" val="1308852036"/>
-                    </a:ext>
-                  </a:extLst>
-                </a:gridCol>
-                <a:gridCol w="1436914">
-                  <a:extLst>
-                    <a:ext uri="{9D8B030D-6E8A-4147-A177-3AD203B41FA5}">
-                      <a16:colId xmlns:a16="http://schemas.microsoft.com/office/drawing/2014/main" val="1156679458"/>
-                    </a:ext>
-                  </a:extLst>
-                </a:gridCol>
-                <a:gridCol w="1436914">
-                  <a:extLst>
-                    <a:ext uri="{9D8B030D-6E8A-4147-A177-3AD203B41FA5}">
-                      <a16:colId xmlns:a16="http://schemas.microsoft.com/office/drawing/2014/main" val="4160680975"/>
-                    </a:ext>
-                  </a:extLst>
-                </a:gridCol>
-                <a:gridCol w="1436914">
-                  <a:extLst>
-                    <a:ext uri="{9D8B030D-6E8A-4147-A177-3AD203B41FA5}">
-                      <a16:colId xmlns:a16="http://schemas.microsoft.com/office/drawing/2014/main" val="331986047"/>
-                    </a:ext>
-                  </a:extLst>
-                </a:gridCol>
-                <a:gridCol w="1436914">
-                  <a:extLst>
-                    <a:ext uri="{9D8B030D-6E8A-4147-A177-3AD203B41FA5}">
-                      <a16:colId xmlns:a16="http://schemas.microsoft.com/office/drawing/2014/main" val="1627398870"/>
-                    </a:ext>
-                  </a:extLst>
-                </a:gridCol>
-                <a:gridCol w="1436914">
-                  <a:extLst>
-                    <a:ext uri="{9D8B030D-6E8A-4147-A177-3AD203B41FA5}">
-                      <a16:colId xmlns:a16="http://schemas.microsoft.com/office/drawing/2014/main" val="4214530444"/>
-                    </a:ext>
-                  </a:extLst>
-                </a:gridCol>
+                <a:gridCol w="1436914"/>
+                <a:gridCol w="1436914"/>
+                <a:gridCol w="1436914"/>
+                <a:gridCol w="1436914"/>
+                <a:gridCol w="1436914"/>
+                <a:gridCol w="1436914"/>
+                <a:gridCol w="1436914"/>
               </a:tblGrid>
               <a:tr h="370840">
                 <a:tc>
@@ -4938,11 +4820,6 @@
                   </a:txBody>
                   <a:tcPr/>
                 </a:tc>
-                <a:extLst>
-                  <a:ext uri="{0D108BD9-81ED-4DB2-BD59-A6C34878D82A}">
-                    <a16:rowId xmlns:a16="http://schemas.microsoft.com/office/drawing/2014/main" val="2585764194"/>
-                  </a:ext>
-                </a:extLst>
               </a:tr>
               <a:tr h="370840">
                 <a:tc>
@@ -5050,11 +4927,6 @@
                   </a:txBody>
                   <a:tcPr/>
                 </a:tc>
-                <a:extLst>
-                  <a:ext uri="{0D108BD9-81ED-4DB2-BD59-A6C34878D82A}">
-                    <a16:rowId xmlns:a16="http://schemas.microsoft.com/office/drawing/2014/main" val="3171833582"/>
-                  </a:ext>
-                </a:extLst>
               </a:tr>
               <a:tr h="370840">
                 <a:tc>
@@ -5162,11 +5034,6 @@
                   </a:txBody>
                   <a:tcPr/>
                 </a:tc>
-                <a:extLst>
-                  <a:ext uri="{0D108BD9-81ED-4DB2-BD59-A6C34878D82A}">
-                    <a16:rowId xmlns:a16="http://schemas.microsoft.com/office/drawing/2014/main" val="354537899"/>
-                  </a:ext>
-                </a:extLst>
               </a:tr>
               <a:tr h="370840">
                 <a:tc>
@@ -5274,11 +5141,6 @@
                   </a:txBody>
                   <a:tcPr/>
                 </a:tc>
-                <a:extLst>
-                  <a:ext uri="{0D108BD9-81ED-4DB2-BD59-A6C34878D82A}">
-                    <a16:rowId xmlns:a16="http://schemas.microsoft.com/office/drawing/2014/main" val="2159956722"/>
-                  </a:ext>
-                </a:extLst>
               </a:tr>
               <a:tr h="185420">
                 <a:tc>
@@ -5362,11 +5224,6 @@
                   </a:txBody>
                   <a:tcPr/>
                 </a:tc>
-                <a:extLst>
-                  <a:ext uri="{0D108BD9-81ED-4DB2-BD59-A6C34878D82A}">
-                    <a16:rowId xmlns:a16="http://schemas.microsoft.com/office/drawing/2014/main" val="921892827"/>
-                  </a:ext>
-                </a:extLst>
               </a:tr>
               <a:tr h="796945">
                 <a:tc gridSpan="7">
@@ -5383,75 +5240,29 @@
                         <a:rPr lang="zh-CN" altLang="en-US" dirty="0"/>
                         <a:t>补充</a:t>
                       </a:r>
+                      <a:endParaRPr lang="zh-CN" altLang="en-US" dirty="0"/>
                     </a:p>
                   </a:txBody>
                   <a:tcPr anchor="ctr"/>
                 </a:tc>
                 <a:tc hMerge="1">
-                  <a:txBody>
-                    <a:bodyPr/>
-                    <a:lstStyle/>
-                    <a:p>
-                      <a:endParaRPr lang="zh-CN" altLang="en-US" dirty="0"/>
-                    </a:p>
-                  </a:txBody>
                   <a:tcPr/>
                 </a:tc>
                 <a:tc hMerge="1">
-                  <a:txBody>
-                    <a:bodyPr/>
-                    <a:lstStyle/>
-                    <a:p>
-                      <a:endParaRPr lang="zh-CN" altLang="en-US" dirty="0"/>
-                    </a:p>
-                  </a:txBody>
                   <a:tcPr/>
                 </a:tc>
                 <a:tc hMerge="1">
-                  <a:txBody>
-                    <a:bodyPr/>
-                    <a:lstStyle/>
-                    <a:p>
-                      <a:endParaRPr lang="zh-CN" altLang="en-US" dirty="0"/>
-                    </a:p>
-                  </a:txBody>
                   <a:tcPr/>
                 </a:tc>
                 <a:tc hMerge="1">
-                  <a:txBody>
-                    <a:bodyPr/>
-                    <a:lstStyle/>
-                    <a:p>
-                      <a:endParaRPr lang="zh-CN" altLang="en-US" dirty="0"/>
-                    </a:p>
-                  </a:txBody>
                   <a:tcPr/>
                 </a:tc>
                 <a:tc hMerge="1">
-                  <a:txBody>
-                    <a:bodyPr/>
-                    <a:lstStyle/>
-                    <a:p>
-                      <a:endParaRPr lang="zh-CN" altLang="en-US" dirty="0"/>
-                    </a:p>
-                  </a:txBody>
                   <a:tcPr/>
                 </a:tc>
                 <a:tc hMerge="1">
-                  <a:txBody>
-                    <a:bodyPr/>
-                    <a:lstStyle/>
-                    <a:p>
-                      <a:endParaRPr lang="zh-CN" altLang="en-US" dirty="0"/>
-                    </a:p>
-                  </a:txBody>
-                  <a:tcPr/>
-                </a:tc>
-                <a:extLst>
-                  <a:ext uri="{0D108BD9-81ED-4DB2-BD59-A6C34878D82A}">
-                    <a16:rowId xmlns:a16="http://schemas.microsoft.com/office/drawing/2014/main" val="2645048745"/>
-                  </a:ext>
-                </a:extLst>
+                  <a:tcPr/>
+                </a:tc>
               </a:tr>
               <a:tr h="370840">
                 <a:tc>
@@ -5559,11 +5370,6 @@
                   </a:txBody>
                   <a:tcPr/>
                 </a:tc>
-                <a:extLst>
-                  <a:ext uri="{0D108BD9-81ED-4DB2-BD59-A6C34878D82A}">
-                    <a16:rowId xmlns:a16="http://schemas.microsoft.com/office/drawing/2014/main" val="3915908573"/>
-                  </a:ext>
-                </a:extLst>
               </a:tr>
               <a:tr h="370840">
                 <a:tc>
@@ -5671,11 +5477,6 @@
                   </a:txBody>
                   <a:tcPr/>
                 </a:tc>
-                <a:extLst>
-                  <a:ext uri="{0D108BD9-81ED-4DB2-BD59-A6C34878D82A}">
-                    <a16:rowId xmlns:a16="http://schemas.microsoft.com/office/drawing/2014/main" val="136324491"/>
-                  </a:ext>
-                </a:extLst>
               </a:tr>
               <a:tr h="370840">
                 <a:tc>
@@ -5771,22 +5572,12 @@
                   </a:txBody>
                   <a:tcPr/>
                 </a:tc>
-                <a:extLst>
-                  <a:ext uri="{0D108BD9-81ED-4DB2-BD59-A6C34878D82A}">
-                    <a16:rowId xmlns:a16="http://schemas.microsoft.com/office/drawing/2014/main" val="3815295406"/>
-                  </a:ext>
-                </a:extLst>
               </a:tr>
             </a:tbl>
           </a:graphicData>
         </a:graphic>
       </p:graphicFrame>
     </p:spTree>
-    <p:extLst>
-      <p:ext uri="{BB962C8B-B14F-4D97-AF65-F5344CB8AC3E}">
-        <p14:creationId xmlns:p14="http://schemas.microsoft.com/office/powerpoint/2010/main" val="3443919886"/>
-      </p:ext>
-    </p:extLst>
   </p:cSld>
   <p:clrMapOvr>
     <a:masterClrMapping/>
@@ -5813,13 +5604,7 @@
       </p:grpSpPr>
       <p:sp>
         <p:nvSpPr>
-          <p:cNvPr id="2" name="Title 1">
-            <a:extLst>
-              <a:ext uri="{FF2B5EF4-FFF2-40B4-BE49-F238E27FC236}">
-                <a16:creationId xmlns:a16="http://schemas.microsoft.com/office/drawing/2014/main" id="{91AF134A-F881-44D4-9164-C557AE78E338}"/>
-              </a:ext>
-            </a:extLst>
-          </p:cNvPr>
+          <p:cNvPr id="2" name="Title 1"/>
           <p:cNvSpPr>
             <a:spLocks noGrp="1"/>
           </p:cNvSpPr>
@@ -5852,18 +5637,13 @@
               <a:rPr lang="zh-CN" altLang="en-US" dirty="0"/>
               <a:t>）</a:t>
             </a:r>
-          </a:p>
-        </p:txBody>
-      </p:sp>
-      <p:sp>
-        <p:nvSpPr>
-          <p:cNvPr id="3" name="Content Placeholder 2">
-            <a:extLst>
-              <a:ext uri="{FF2B5EF4-FFF2-40B4-BE49-F238E27FC236}">
-                <a16:creationId xmlns:a16="http://schemas.microsoft.com/office/drawing/2014/main" id="{080DF743-D500-4DAD-BF90-918BA2C86918}"/>
-              </a:ext>
-            </a:extLst>
-          </p:cNvPr>
+            <a:endParaRPr lang="zh-CN" altLang="en-US" dirty="0"/>
+          </a:p>
+        </p:txBody>
+      </p:sp>
+      <p:sp>
+        <p:nvSpPr>
+          <p:cNvPr id="3" name="Content Placeholder 2"/>
           <p:cNvSpPr>
             <a:spLocks noGrp="1"/>
           </p:cNvSpPr>
@@ -5929,6 +5709,7 @@
               <a:rPr lang="en-US" altLang="zh-CN" dirty="0"/>
               <a:t>$</a:t>
             </a:r>
+            <a:endParaRPr lang="en-US" altLang="zh-CN" dirty="0"/>
           </a:p>
           <a:p>
             <a:pPr lvl="1">
@@ -5986,6 +5767,7 @@
               <a:rPr lang="en-US" altLang="zh-CN" dirty="0"/>
               <a:t>- user, project, administrator, customer</a:t>
             </a:r>
+            <a:endParaRPr lang="en-US" altLang="zh-CN" dirty="0"/>
           </a:p>
           <a:p>
             <a:pPr lvl="1">
@@ -6035,6 +5817,7 @@
               <a:rPr lang="en-US" altLang="zh-CN" dirty="0"/>
               <a:t>- User, Project</a:t>
             </a:r>
+            <a:endParaRPr lang="en-US" altLang="zh-CN" dirty="0"/>
           </a:p>
           <a:p>
             <a:pPr lvl="1">
@@ -6083,40 +5866,26 @@
             <a:endParaRPr lang="en-US" altLang="zh-CN" dirty="0"/>
           </a:p>
           <a:p>
-            <a:pPr marL="201168" lvl="1" indent="0" algn="ctr">
+            <a:pPr marL="201295" lvl="1" indent="0" algn="ctr">
               <a:buNone/>
             </a:pPr>
             <a:r>
               <a:rPr lang="zh-CN" altLang="en-US" dirty="0"/>
-              <a:t>好的命名是成功的一般，给孩子取个好名字</a:t>
+              <a:t>好的命名是成功的一半</a:t>
+            </a:r>
+            <a:r>
+              <a:rPr lang="zh-CN" altLang="en-US" dirty="0"/>
+              <a:t>，给孩子取个好名字</a:t>
             </a:r>
             <a:r>
               <a:rPr lang="en-US" altLang="zh-CN" dirty="0"/>
               <a:t>~</a:t>
             </a:r>
-          </a:p>
-          <a:p>
-            <a:pPr lvl="1">
-              <a:buFont typeface="Wingdings" panose="05000000000000000000" pitchFamily="2" charset="2"/>
-              <a:buChar char="l"/>
-            </a:pPr>
             <a:endParaRPr lang="en-US" altLang="zh-CN" dirty="0"/>
           </a:p>
-          <a:p>
-            <a:pPr lvl="1">
-              <a:buFont typeface="Wingdings" panose="05000000000000000000" pitchFamily="2" charset="2"/>
-              <a:buChar char="l"/>
-            </a:pPr>
-            <a:endParaRPr lang="en-US" altLang="zh-CN" dirty="0"/>
-          </a:p>
         </p:txBody>
       </p:sp>
     </p:spTree>
-    <p:extLst>
-      <p:ext uri="{BB962C8B-B14F-4D97-AF65-F5344CB8AC3E}">
-        <p14:creationId xmlns:p14="http://schemas.microsoft.com/office/powerpoint/2010/main" val="1228434446"/>
-      </p:ext>
-    </p:extLst>
   </p:cSld>
   <p:clrMapOvr>
     <a:masterClrMapping/>
@@ -6143,13 +5912,7 @@
       </p:grpSpPr>
       <p:sp>
         <p:nvSpPr>
-          <p:cNvPr id="2" name="Title 1">
-            <a:extLst>
-              <a:ext uri="{FF2B5EF4-FFF2-40B4-BE49-F238E27FC236}">
-                <a16:creationId xmlns:a16="http://schemas.microsoft.com/office/drawing/2014/main" id="{36CAFDB2-CE90-4167-A6D6-B90F9B02B073}"/>
-              </a:ext>
-            </a:extLst>
-          </p:cNvPr>
+          <p:cNvPr id="2" name="Title 1"/>
           <p:cNvSpPr>
             <a:spLocks noGrp="1"/>
           </p:cNvSpPr>
@@ -6174,28 +5937,18 @@
               <a:rPr lang="zh-CN" altLang="en-US" dirty="0"/>
               <a:t>）</a:t>
             </a:r>
+            <a:endParaRPr lang="zh-CN" altLang="en-US" dirty="0"/>
           </a:p>
         </p:txBody>
       </p:sp>
       <p:graphicFrame>
         <p:nvGraphicFramePr>
-          <p:cNvPr id="4" name="Table 4">
-            <a:extLst>
-              <a:ext uri="{FF2B5EF4-FFF2-40B4-BE49-F238E27FC236}">
-                <a16:creationId xmlns:a16="http://schemas.microsoft.com/office/drawing/2014/main" id="{1D75E024-E115-4DB9-82DF-59380A30DA2F}"/>
-              </a:ext>
-            </a:extLst>
-          </p:cNvPr>
+          <p:cNvPr id="4" name="Table 4"/>
           <p:cNvGraphicFramePr>
             <a:graphicFrameLocks noGrp="1"/>
           </p:cNvGraphicFramePr>
           <p:nvPr>
             <p:ph idx="1"/>
-            <p:extLst>
-              <p:ext uri="{D42A27DB-BD31-4B8C-83A1-F6EECF244321}">
-                <p14:modId xmlns:p14="http://schemas.microsoft.com/office/powerpoint/2010/main" val="3702189735"/>
-              </p:ext>
-            </p:extLst>
           </p:nvPr>
         </p:nvGraphicFramePr>
         <p:xfrm>
@@ -6209,27 +5962,9 @@
                 <a:tableStyleId>{5940675A-B579-460E-94D1-54222C63F5DA}</a:tableStyleId>
               </a:tblPr>
               <a:tblGrid>
-                <a:gridCol w="2011680">
-                  <a:extLst>
-                    <a:ext uri="{9D8B030D-6E8A-4147-A177-3AD203B41FA5}">
-                      <a16:colId xmlns:a16="http://schemas.microsoft.com/office/drawing/2014/main" val="3094830589"/>
-                    </a:ext>
-                  </a:extLst>
-                </a:gridCol>
-                <a:gridCol w="2011680">
-                  <a:extLst>
-                    <a:ext uri="{9D8B030D-6E8A-4147-A177-3AD203B41FA5}">
-                      <a16:colId xmlns:a16="http://schemas.microsoft.com/office/drawing/2014/main" val="969853347"/>
-                    </a:ext>
-                  </a:extLst>
-                </a:gridCol>
-                <a:gridCol w="6035040">
-                  <a:extLst>
-                    <a:ext uri="{9D8B030D-6E8A-4147-A177-3AD203B41FA5}">
-                      <a16:colId xmlns:a16="http://schemas.microsoft.com/office/drawing/2014/main" val="3395851342"/>
-                    </a:ext>
-                  </a:extLst>
-                </a:gridCol>
+                <a:gridCol w="2011680"/>
+                <a:gridCol w="2011680"/>
+                <a:gridCol w="6035040"/>
               </a:tblGrid>
               <a:tr h="370840">
                 <a:tc rowSpan="3">
@@ -6242,6 +5977,7 @@
                         <a:rPr lang="zh-CN" altLang="en-US" dirty="0"/>
                         <a:t>简单（传值）</a:t>
                       </a:r>
+                      <a:endParaRPr lang="zh-CN" altLang="en-US" dirty="0"/>
                     </a:p>
                   </a:txBody>
                   <a:tcPr anchor="ctr"/>
@@ -6286,21 +6022,9 @@
                   </a:txBody>
                   <a:tcPr/>
                 </a:tc>
-                <a:extLst>
-                  <a:ext uri="{0D108BD9-81ED-4DB2-BD59-A6C34878D82A}">
-                    <a16:rowId xmlns:a16="http://schemas.microsoft.com/office/drawing/2014/main" val="389531879"/>
-                  </a:ext>
-                </a:extLst>
               </a:tr>
               <a:tr h="370840">
                 <a:tc vMerge="1">
-                  <a:txBody>
-                    <a:bodyPr/>
-                    <a:lstStyle/>
-                    <a:p>
-                      <a:endParaRPr lang="zh-CN" altLang="en-US" dirty="0"/>
-                    </a:p>
-                  </a:txBody>
                   <a:tcPr/>
                 </a:tc>
                 <a:tc>
@@ -6343,21 +6067,9 @@
                   </a:txBody>
                   <a:tcPr/>
                 </a:tc>
-                <a:extLst>
-                  <a:ext uri="{0D108BD9-81ED-4DB2-BD59-A6C34878D82A}">
-                    <a16:rowId xmlns:a16="http://schemas.microsoft.com/office/drawing/2014/main" val="1996968532"/>
-                  </a:ext>
-                </a:extLst>
               </a:tr>
               <a:tr h="370840">
                 <a:tc vMerge="1">
-                  <a:txBody>
-                    <a:bodyPr/>
-                    <a:lstStyle/>
-                    <a:p>
-                      <a:endParaRPr lang="zh-CN" altLang="en-US" dirty="0"/>
-                    </a:p>
-                  </a:txBody>
                   <a:tcPr/>
                 </a:tc>
                 <a:tc>
@@ -6392,11 +6104,6 @@
                   </a:txBody>
                   <a:tcPr/>
                 </a:tc>
-                <a:extLst>
-                  <a:ext uri="{0D108BD9-81ED-4DB2-BD59-A6C34878D82A}">
-                    <a16:rowId xmlns:a16="http://schemas.microsoft.com/office/drawing/2014/main" val="1857574777"/>
-                  </a:ext>
-                </a:extLst>
               </a:tr>
               <a:tr h="370840">
                 <a:tc>
@@ -6409,6 +6116,7 @@
                         <a:rPr lang="zh-CN" altLang="en-US" dirty="0"/>
                         <a:t>引用（传地址）</a:t>
                       </a:r>
+                      <a:endParaRPr lang="zh-CN" altLang="en-US" dirty="0"/>
                     </a:p>
                   </a:txBody>
                   <a:tcPr anchor="ctr"/>
@@ -6449,11 +6157,6 @@
                   </a:txBody>
                   <a:tcPr/>
                 </a:tc>
-                <a:extLst>
-                  <a:ext uri="{0D108BD9-81ED-4DB2-BD59-A6C34878D82A}">
-                    <a16:rowId xmlns:a16="http://schemas.microsoft.com/office/drawing/2014/main" val="923321119"/>
-                  </a:ext>
-                </a:extLst>
               </a:tr>
               <a:tr h="370840">
                 <a:tc gridSpan="3">
@@ -6494,46 +6197,23 @@
                         <a:rPr lang="zh-CN" altLang="en-US" dirty="0"/>
                         <a:t>），砍掉了一个思考维度</a:t>
                       </a:r>
+                      <a:endParaRPr lang="zh-CN" altLang="en-US" dirty="0"/>
                     </a:p>
                   </a:txBody>
                   <a:tcPr anchor="ctr"/>
                 </a:tc>
                 <a:tc hMerge="1">
-                  <a:txBody>
-                    <a:bodyPr/>
-                    <a:lstStyle/>
-                    <a:p>
-                      <a:endParaRPr lang="zh-CN" altLang="en-US" dirty="0"/>
-                    </a:p>
-                  </a:txBody>
                   <a:tcPr/>
                 </a:tc>
                 <a:tc hMerge="1">
-                  <a:txBody>
-                    <a:bodyPr/>
-                    <a:lstStyle/>
-                    <a:p>
-                      <a:endParaRPr lang="zh-CN" altLang="en-US" dirty="0"/>
-                    </a:p>
-                  </a:txBody>
-                  <a:tcPr/>
-                </a:tc>
-                <a:extLst>
-                  <a:ext uri="{0D108BD9-81ED-4DB2-BD59-A6C34878D82A}">
-                    <a16:rowId xmlns:a16="http://schemas.microsoft.com/office/drawing/2014/main" val="2335292250"/>
-                  </a:ext>
-                </a:extLst>
+                  <a:tcPr/>
+                </a:tc>
               </a:tr>
             </a:tbl>
           </a:graphicData>
         </a:graphic>
       </p:graphicFrame>
     </p:spTree>
-    <p:extLst>
-      <p:ext uri="{BB962C8B-B14F-4D97-AF65-F5344CB8AC3E}">
-        <p14:creationId xmlns:p14="http://schemas.microsoft.com/office/powerpoint/2010/main" val="3142801781"/>
-      </p:ext>
-    </p:extLst>
   </p:cSld>
   <p:clrMapOvr>
     <a:masterClrMapping/>
@@ -6560,13 +6240,7 @@
       </p:grpSpPr>
       <p:sp>
         <p:nvSpPr>
-          <p:cNvPr id="2" name="Title 1">
-            <a:extLst>
-              <a:ext uri="{FF2B5EF4-FFF2-40B4-BE49-F238E27FC236}">
-                <a16:creationId xmlns:a16="http://schemas.microsoft.com/office/drawing/2014/main" id="{ECDD66AB-A662-4F43-974B-20C02BAE2223}"/>
-              </a:ext>
-            </a:extLst>
-          </p:cNvPr>
+          <p:cNvPr id="2" name="Title 1"/>
           <p:cNvSpPr>
             <a:spLocks noGrp="1"/>
           </p:cNvSpPr>
@@ -6591,18 +6265,13 @@
               <a:rPr lang="zh-CN" altLang="en-US" dirty="0"/>
               <a:t>弱数据类型</a:t>
             </a:r>
-          </a:p>
-        </p:txBody>
-      </p:sp>
-      <p:sp>
-        <p:nvSpPr>
-          <p:cNvPr id="3" name="Content Placeholder 2">
-            <a:extLst>
-              <a:ext uri="{FF2B5EF4-FFF2-40B4-BE49-F238E27FC236}">
-                <a16:creationId xmlns:a16="http://schemas.microsoft.com/office/drawing/2014/main" id="{0034F097-5A8A-432A-8098-CBFB9C3D4DC9}"/>
-              </a:ext>
-            </a:extLst>
-          </p:cNvPr>
+            <a:endParaRPr lang="zh-CN" altLang="en-US" dirty="0"/>
+          </a:p>
+        </p:txBody>
+      </p:sp>
+      <p:sp>
+        <p:nvSpPr>
+          <p:cNvPr id="3" name="Content Placeholder 2"/>
           <p:cNvSpPr>
             <a:spLocks noGrp="1"/>
           </p:cNvSpPr>
@@ -6640,7 +6309,11 @@
             </a:r>
             <a:r>
               <a:rPr lang="zh-CN" altLang="en-US" dirty="0"/>
-              <a:t>时引发数据类型问题引发的错误</a:t>
+              <a:t>时由于</a:t>
+            </a:r>
+            <a:r>
+              <a:rPr lang="zh-CN" altLang="en-US" dirty="0"/>
+              <a:t>数据类型问题引发的错误</a:t>
             </a:r>
             <a:endParaRPr lang="en-US" altLang="zh-CN" dirty="0"/>
           </a:p>
@@ -6736,11 +6409,6 @@
         </p:txBody>
       </p:sp>
     </p:spTree>
-    <p:extLst>
-      <p:ext uri="{BB962C8B-B14F-4D97-AF65-F5344CB8AC3E}">
-        <p14:creationId xmlns:p14="http://schemas.microsoft.com/office/powerpoint/2010/main" val="3180428188"/>
-      </p:ext>
-    </p:extLst>
   </p:cSld>
   <p:clrMapOvr>
     <a:masterClrMapping/>
@@ -6767,13 +6435,7 @@
       </p:grpSpPr>
       <p:sp>
         <p:nvSpPr>
-          <p:cNvPr id="2" name="Title 1">
-            <a:extLst>
-              <a:ext uri="{FF2B5EF4-FFF2-40B4-BE49-F238E27FC236}">
-                <a16:creationId xmlns:a16="http://schemas.microsoft.com/office/drawing/2014/main" id="{5717342B-200B-4108-84E6-36D0F2CB1DE5}"/>
-              </a:ext>
-            </a:extLst>
-          </p:cNvPr>
+          <p:cNvPr id="2" name="Title 1"/>
           <p:cNvSpPr>
             <a:spLocks noGrp="1"/>
           </p:cNvSpPr>
@@ -6798,28 +6460,18 @@
               <a:rPr lang="zh-CN" altLang="en-US" dirty="0"/>
               <a:t>）</a:t>
             </a:r>
+            <a:endParaRPr lang="zh-CN" altLang="en-US" dirty="0"/>
           </a:p>
         </p:txBody>
       </p:sp>
       <p:graphicFrame>
         <p:nvGraphicFramePr>
-          <p:cNvPr id="4" name="Table 4">
-            <a:extLst>
-              <a:ext uri="{FF2B5EF4-FFF2-40B4-BE49-F238E27FC236}">
-                <a16:creationId xmlns:a16="http://schemas.microsoft.com/office/drawing/2014/main" id="{E1D24710-3714-415D-BB75-8BCF9A0946AD}"/>
-              </a:ext>
-            </a:extLst>
-          </p:cNvPr>
+          <p:cNvPr id="4" name="Table 4"/>
           <p:cNvGraphicFramePr>
             <a:graphicFrameLocks noGrp="1"/>
           </p:cNvGraphicFramePr>
           <p:nvPr>
             <p:ph idx="1"/>
-            <p:extLst>
-              <p:ext uri="{D42A27DB-BD31-4B8C-83A1-F6EECF244321}">
-                <p14:modId xmlns:p14="http://schemas.microsoft.com/office/powerpoint/2010/main" val="2225885716"/>
-              </p:ext>
-            </p:extLst>
           </p:nvPr>
         </p:nvGraphicFramePr>
         <p:xfrm>
@@ -6833,41 +6485,11 @@
                 <a:tableStyleId>{2D5ABB26-0587-4C30-8999-92F81FD0307C}</a:tableStyleId>
               </a:tblPr>
               <a:tblGrid>
-                <a:gridCol w="2011680">
-                  <a:extLst>
-                    <a:ext uri="{9D8B030D-6E8A-4147-A177-3AD203B41FA5}">
-                      <a16:colId xmlns:a16="http://schemas.microsoft.com/office/drawing/2014/main" val="2797030899"/>
-                    </a:ext>
-                  </a:extLst>
-                </a:gridCol>
-                <a:gridCol w="2011680">
-                  <a:extLst>
-                    <a:ext uri="{9D8B030D-6E8A-4147-A177-3AD203B41FA5}">
-                      <a16:colId xmlns:a16="http://schemas.microsoft.com/office/drawing/2014/main" val="1718271232"/>
-                    </a:ext>
-                  </a:extLst>
-                </a:gridCol>
-                <a:gridCol w="2011680">
-                  <a:extLst>
-                    <a:ext uri="{9D8B030D-6E8A-4147-A177-3AD203B41FA5}">
-                      <a16:colId xmlns:a16="http://schemas.microsoft.com/office/drawing/2014/main" val="1121904931"/>
-                    </a:ext>
-                  </a:extLst>
-                </a:gridCol>
-                <a:gridCol w="2011680">
-                  <a:extLst>
-                    <a:ext uri="{9D8B030D-6E8A-4147-A177-3AD203B41FA5}">
-                      <a16:colId xmlns:a16="http://schemas.microsoft.com/office/drawing/2014/main" val="1973662439"/>
-                    </a:ext>
-                  </a:extLst>
-                </a:gridCol>
-                <a:gridCol w="2011680">
-                  <a:extLst>
-                    <a:ext uri="{9D8B030D-6E8A-4147-A177-3AD203B41FA5}">
-                      <a16:colId xmlns:a16="http://schemas.microsoft.com/office/drawing/2014/main" val="3777895146"/>
-                    </a:ext>
-                  </a:extLst>
-                </a:gridCol>
+                <a:gridCol w="2011680"/>
+                <a:gridCol w="2011680"/>
+                <a:gridCol w="2011680"/>
+                <a:gridCol w="2011680"/>
+                <a:gridCol w="2011680"/>
               </a:tblGrid>
               <a:tr h="185420">
                 <a:tc gridSpan="5">
@@ -6889,7 +6511,6 @@
                         <a:buSzTx/>
                         <a:buFontTx/>
                         <a:buNone/>
-                        <a:tabLst/>
                         <a:defRPr/>
                       </a:pPr>
                       <a:r>
@@ -6914,50 +6535,17 @@
                   <a:tcPr/>
                 </a:tc>
                 <a:tc hMerge="1">
-                  <a:txBody>
-                    <a:bodyPr/>
-                    <a:lstStyle/>
-                    <a:p>
-                      <a:endParaRPr lang="zh-CN" altLang="en-US" dirty="0"/>
-                    </a:p>
-                  </a:txBody>
                   <a:tcPr/>
                 </a:tc>
                 <a:tc hMerge="1">
-                  <a:txBody>
-                    <a:bodyPr/>
-                    <a:lstStyle/>
-                    <a:p>
-                      <a:endParaRPr lang="zh-CN" altLang="en-US" dirty="0"/>
-                    </a:p>
-                  </a:txBody>
                   <a:tcPr/>
                 </a:tc>
                 <a:tc hMerge="1">
-                  <a:txBody>
-                    <a:bodyPr/>
-                    <a:lstStyle/>
-                    <a:p>
-                      <a:endParaRPr lang="zh-CN" altLang="en-US" dirty="0"/>
-                    </a:p>
-                  </a:txBody>
                   <a:tcPr/>
                 </a:tc>
                 <a:tc hMerge="1">
-                  <a:txBody>
-                    <a:bodyPr/>
-                    <a:lstStyle/>
-                    <a:p>
-                      <a:endParaRPr lang="zh-CN" altLang="en-US" dirty="0"/>
-                    </a:p>
-                  </a:txBody>
-                  <a:tcPr/>
-                </a:tc>
-                <a:extLst>
-                  <a:ext uri="{0D108BD9-81ED-4DB2-BD59-A6C34878D82A}">
-                    <a16:rowId xmlns:a16="http://schemas.microsoft.com/office/drawing/2014/main" val="562823873"/>
-                  </a:ext>
-                </a:extLst>
+                  <a:tcPr/>
+                </a:tc>
               </a:tr>
               <a:tr h="185420">
                 <a:tc gridSpan="5">
@@ -6979,7 +6567,6 @@
                         <a:buSzTx/>
                         <a:buFontTx/>
                         <a:buNone/>
-                        <a:tabLst/>
                         <a:defRPr/>
                       </a:pPr>
                       <a:endParaRPr lang="en-US" altLang="zh-CN" dirty="0"/>
@@ -6988,50 +6575,17 @@
                   <a:tcPr/>
                 </a:tc>
                 <a:tc hMerge="1">
-                  <a:txBody>
-                    <a:bodyPr/>
-                    <a:lstStyle/>
-                    <a:p>
-                      <a:endParaRPr lang="zh-CN" altLang="en-US"/>
-                    </a:p>
-                  </a:txBody>
                   <a:tcPr/>
                 </a:tc>
                 <a:tc hMerge="1">
-                  <a:txBody>
-                    <a:bodyPr/>
-                    <a:lstStyle/>
-                    <a:p>
-                      <a:endParaRPr lang="zh-CN" altLang="en-US"/>
-                    </a:p>
-                  </a:txBody>
                   <a:tcPr/>
                 </a:tc>
                 <a:tc hMerge="1">
-                  <a:txBody>
-                    <a:bodyPr/>
-                    <a:lstStyle/>
-                    <a:p>
-                      <a:endParaRPr lang="zh-CN" altLang="en-US"/>
-                    </a:p>
-                  </a:txBody>
                   <a:tcPr/>
                 </a:tc>
                 <a:tc hMerge="1">
-                  <a:txBody>
-                    <a:bodyPr/>
-                    <a:lstStyle/>
-                    <a:p>
-                      <a:endParaRPr lang="zh-CN" altLang="en-US"/>
-                    </a:p>
-                  </a:txBody>
-                  <a:tcPr/>
-                </a:tc>
-                <a:extLst>
-                  <a:ext uri="{0D108BD9-81ED-4DB2-BD59-A6C34878D82A}">
-                    <a16:rowId xmlns:a16="http://schemas.microsoft.com/office/drawing/2014/main" val="4009786696"/>
-                  </a:ext>
-                </a:extLst>
+                  <a:tcPr/>
+                </a:tc>
               </a:tr>
               <a:tr h="370840">
                 <a:tc>
@@ -7078,6 +6632,7 @@
                         <a:rPr lang="zh-CN" altLang="en-US" dirty="0"/>
                         <a:t>负数</a:t>
                       </a:r>
+                      <a:endParaRPr lang="zh-CN" altLang="en-US" dirty="0"/>
                     </a:p>
                   </a:txBody>
                   <a:tcPr/>
@@ -7096,6 +6651,7 @@
                         <a:rPr lang="zh-CN" altLang="en-US" dirty="0"/>
                         <a:t>转化为数值</a:t>
                       </a:r>
+                      <a:endParaRPr lang="zh-CN" altLang="en-US" dirty="0"/>
                     </a:p>
                   </a:txBody>
                   <a:tcPr/>
@@ -7115,11 +6671,6 @@
                   </a:txBody>
                   <a:tcPr/>
                 </a:tc>
-                <a:extLst>
-                  <a:ext uri="{0D108BD9-81ED-4DB2-BD59-A6C34878D82A}">
-                    <a16:rowId xmlns:a16="http://schemas.microsoft.com/office/drawing/2014/main" val="2145124674"/>
-                  </a:ext>
-                </a:extLst>
               </a:tr>
               <a:tr h="370840">
                 <a:tc>
@@ -7197,11 +6748,6 @@
                   </a:txBody>
                   <a:tcPr/>
                 </a:tc>
-                <a:extLst>
-                  <a:ext uri="{0D108BD9-81ED-4DB2-BD59-A6C34878D82A}">
-                    <a16:rowId xmlns:a16="http://schemas.microsoft.com/office/drawing/2014/main" val="2204408961"/>
-                  </a:ext>
-                </a:extLst>
               </a:tr>
               <a:tr h="370840">
                 <a:tc>
@@ -7233,6 +6779,7 @@
                         <a:rPr lang="zh-CN" altLang="en-US" dirty="0"/>
                         <a:t>字符串连接</a:t>
                       </a:r>
+                      <a:endParaRPr lang="zh-CN" altLang="en-US" dirty="0"/>
                     </a:p>
                   </a:txBody>
                   <a:tcPr/>
@@ -7282,11 +6829,6 @@
                   </a:txBody>
                   <a:tcPr/>
                 </a:tc>
-                <a:extLst>
-                  <a:ext uri="{0D108BD9-81ED-4DB2-BD59-A6C34878D82A}">
-                    <a16:rowId xmlns:a16="http://schemas.microsoft.com/office/drawing/2014/main" val="3794203937"/>
-                  </a:ext>
-                </a:extLst>
               </a:tr>
               <a:tr h="370840">
                 <a:tc>
@@ -7364,11 +6906,6 @@
                   </a:txBody>
                   <a:tcPr/>
                 </a:tc>
-                <a:extLst>
-                  <a:ext uri="{0D108BD9-81ED-4DB2-BD59-A6C34878D82A}">
-                    <a16:rowId xmlns:a16="http://schemas.microsoft.com/office/drawing/2014/main" val="3026165347"/>
-                  </a:ext>
-                </a:extLst>
               </a:tr>
               <a:tr h="370840">
                 <a:tc>
@@ -7446,11 +6983,6 @@
                   </a:txBody>
                   <a:tcPr/>
                 </a:tc>
-                <a:extLst>
-                  <a:ext uri="{0D108BD9-81ED-4DB2-BD59-A6C34878D82A}">
-                    <a16:rowId xmlns:a16="http://schemas.microsoft.com/office/drawing/2014/main" val="289760571"/>
-                  </a:ext>
-                </a:extLst>
               </a:tr>
               <a:tr h="370840">
                 <a:tc>
@@ -7528,11 +7060,6 @@
                   </a:txBody>
                   <a:tcPr/>
                 </a:tc>
-                <a:extLst>
-                  <a:ext uri="{0D108BD9-81ED-4DB2-BD59-A6C34878D82A}">
-                    <a16:rowId xmlns:a16="http://schemas.microsoft.com/office/drawing/2014/main" val="1554361629"/>
-                  </a:ext>
-                </a:extLst>
               </a:tr>
               <a:tr h="370840">
                 <a:tc>
@@ -7594,22 +7121,12 @@
                   </a:txBody>
                   <a:tcPr/>
                 </a:tc>
-                <a:extLst>
-                  <a:ext uri="{0D108BD9-81ED-4DB2-BD59-A6C34878D82A}">
-                    <a16:rowId xmlns:a16="http://schemas.microsoft.com/office/drawing/2014/main" val="4081187631"/>
-                  </a:ext>
-                </a:extLst>
               </a:tr>
             </a:tbl>
           </a:graphicData>
         </a:graphic>
       </p:graphicFrame>
     </p:spTree>
-    <p:extLst>
-      <p:ext uri="{BB962C8B-B14F-4D97-AF65-F5344CB8AC3E}">
-        <p14:creationId xmlns:p14="http://schemas.microsoft.com/office/powerpoint/2010/main" val="112000610"/>
-      </p:ext>
-    </p:extLst>
   </p:cSld>
   <p:clrMapOvr>
     <a:masterClrMapping/>
@@ -7636,13 +7153,7 @@
       </p:grpSpPr>
       <p:sp>
         <p:nvSpPr>
-          <p:cNvPr id="2" name="Title 1">
-            <a:extLst>
-              <a:ext uri="{FF2B5EF4-FFF2-40B4-BE49-F238E27FC236}">
-                <a16:creationId xmlns:a16="http://schemas.microsoft.com/office/drawing/2014/main" id="{5C5B0033-EB38-4826-9AA9-1B3193B6DD95}"/>
-              </a:ext>
-            </a:extLst>
-          </p:cNvPr>
+          <p:cNvPr id="2" name="Title 1"/>
           <p:cNvSpPr>
             <a:spLocks noGrp="1"/>
           </p:cNvSpPr>
@@ -7667,18 +7178,13 @@
               <a:rPr lang="zh-CN" altLang="en-US" dirty="0"/>
               <a:t>）</a:t>
             </a:r>
-          </a:p>
-        </p:txBody>
-      </p:sp>
-      <p:sp>
-        <p:nvSpPr>
-          <p:cNvPr id="3" name="Content Placeholder 2">
-            <a:extLst>
-              <a:ext uri="{FF2B5EF4-FFF2-40B4-BE49-F238E27FC236}">
-                <a16:creationId xmlns:a16="http://schemas.microsoft.com/office/drawing/2014/main" id="{F2DAD462-CAA4-4490-AE7C-A327F2B1A35F}"/>
-              </a:ext>
-            </a:extLst>
-          </p:cNvPr>
+            <a:endParaRPr lang="zh-CN" altLang="en-US" dirty="0"/>
+          </a:p>
+        </p:txBody>
+      </p:sp>
+      <p:sp>
+        <p:nvSpPr>
+          <p:cNvPr id="3" name="Content Placeholder 2"/>
           <p:cNvSpPr>
             <a:spLocks noGrp="1"/>
           </p:cNvSpPr>
@@ -7701,7 +7207,7 @@
             </a:r>
             <a:r>
               <a:rPr lang="zh-CN" altLang="en-US" b="1" u="sng" dirty="0"/>
-              <a:t>不改变世界状态</a:t>
+              <a:t>改变世界状态</a:t>
             </a:r>
             <a:r>
               <a:rPr lang="zh-CN" altLang="en-US" dirty="0"/>
@@ -7711,6 +7217,7 @@
               <a:rPr lang="zh-CN" altLang="en-US" b="1" u="sng" dirty="0"/>
               <a:t>控制结构</a:t>
             </a:r>
+            <a:endParaRPr lang="zh-CN" altLang="en-US" b="1" u="sng" dirty="0"/>
           </a:p>
           <a:p>
             <a:endParaRPr lang="en-US" altLang="zh-CN" dirty="0"/>
@@ -7728,6 +7235,7 @@
               <a:rPr lang="en-US" altLang="zh-CN" dirty="0"/>
               <a:t>var, function, const, let</a:t>
             </a:r>
+            <a:endParaRPr lang="en-US" altLang="zh-CN" dirty="0"/>
           </a:p>
           <a:p>
             <a:pPr>
@@ -7742,6 +7250,7 @@
               <a:rPr lang="en-US" altLang="zh-CN" dirty="0"/>
               <a:t>if, else, switch</a:t>
             </a:r>
+            <a:endParaRPr lang="en-US" altLang="zh-CN" dirty="0"/>
           </a:p>
           <a:p>
             <a:pPr>
@@ -7756,6 +7265,7 @@
               <a:rPr lang="en-US" altLang="zh-CN" dirty="0"/>
               <a:t>while, for, for/in, do/while</a:t>
             </a:r>
+            <a:endParaRPr lang="en-US" altLang="zh-CN" dirty="0"/>
           </a:p>
           <a:p>
             <a:pPr>
@@ -7770,6 +7280,7 @@
               <a:rPr lang="en-US" altLang="zh-CN" dirty="0"/>
               <a:t>break, continue, return, throw, try/catch/finally</a:t>
             </a:r>
+            <a:endParaRPr lang="en-US" altLang="zh-CN" dirty="0"/>
           </a:p>
           <a:p>
             <a:endParaRPr lang="zh-CN" altLang="en-US" dirty="0"/>
@@ -7777,11 +7288,6 @@
         </p:txBody>
       </p:sp>
     </p:spTree>
-    <p:extLst>
-      <p:ext uri="{BB962C8B-B14F-4D97-AF65-F5344CB8AC3E}">
-        <p14:creationId xmlns:p14="http://schemas.microsoft.com/office/powerpoint/2010/main" val="931645635"/>
-      </p:ext>
-    </p:extLst>
   </p:cSld>
   <p:clrMapOvr>
     <a:masterClrMapping/>
@@ -7808,13 +7314,7 @@
       </p:grpSpPr>
       <p:sp>
         <p:nvSpPr>
-          <p:cNvPr id="2" name="Title 1">
-            <a:extLst>
-              <a:ext uri="{FF2B5EF4-FFF2-40B4-BE49-F238E27FC236}">
-                <a16:creationId xmlns:a16="http://schemas.microsoft.com/office/drawing/2014/main" id="{6A8F84C0-AC9F-4613-ABA0-BD8496C20EA7}"/>
-              </a:ext>
-            </a:extLst>
-          </p:cNvPr>
+          <p:cNvPr id="2" name="Title 1"/>
           <p:cNvSpPr>
             <a:spLocks noGrp="1"/>
           </p:cNvSpPr>
@@ -7839,18 +7339,13 @@
               <a:rPr lang="zh-CN" altLang="en-US" dirty="0"/>
               <a:t>）</a:t>
             </a:r>
-          </a:p>
-        </p:txBody>
-      </p:sp>
-      <p:sp>
-        <p:nvSpPr>
-          <p:cNvPr id="3" name="Content Placeholder 2">
-            <a:extLst>
-              <a:ext uri="{FF2B5EF4-FFF2-40B4-BE49-F238E27FC236}">
-                <a16:creationId xmlns:a16="http://schemas.microsoft.com/office/drawing/2014/main" id="{7B9E35B7-9E6E-4D90-A5AD-4E9AF5E33D31}"/>
-              </a:ext>
-            </a:extLst>
-          </p:cNvPr>
+            <a:endParaRPr lang="zh-CN" altLang="en-US" dirty="0"/>
+          </a:p>
+        </p:txBody>
+      </p:sp>
+      <p:sp>
+        <p:nvSpPr>
+          <p:cNvPr id="3" name="Content Placeholder 2"/>
           <p:cNvSpPr>
             <a:spLocks noGrp="1"/>
           </p:cNvSpPr>
@@ -7895,6 +7390,7 @@
               <a:rPr lang="en-US" altLang="zh-CN" dirty="0"/>
               <a:t>{ a: 0 }</a:t>
             </a:r>
+            <a:endParaRPr lang="en-US" altLang="zh-CN" dirty="0"/>
           </a:p>
           <a:p>
             <a:pPr>
@@ -7917,6 +7413,7 @@
               <a:rPr lang="en-US" altLang="zh-CN" dirty="0"/>
               <a:t>new Object()</a:t>
             </a:r>
+            <a:endParaRPr lang="en-US" altLang="zh-CN" dirty="0"/>
           </a:p>
           <a:p>
             <a:pPr>
@@ -7956,9 +7453,10 @@
               <a:rPr lang="en-US" altLang="zh-CN" dirty="0"/>
               <a:t>a = { foo: 987 }</a:t>
             </a:r>
-          </a:p>
-          <a:p>
-            <a:pPr marL="578358" lvl="1" indent="-285750">
+            <a:endParaRPr lang="en-US" altLang="zh-CN" dirty="0"/>
+          </a:p>
+          <a:p>
+            <a:pPr marL="578485" lvl="1" indent="-285750">
               <a:buFont typeface="Arial" panose="020B0604020202020204" pitchFamily="34" charset="0"/>
               <a:buChar char="•"/>
             </a:pPr>
@@ -7981,7 +7479,7 @@
             <a:endParaRPr lang="en-US" altLang="zh-CN" dirty="0"/>
           </a:p>
           <a:p>
-            <a:pPr marL="578358" lvl="1" indent="-285750">
+            <a:pPr marL="578485" lvl="1" indent="-285750">
               <a:buFont typeface="Arial" panose="020B0604020202020204" pitchFamily="34" charset="0"/>
               <a:buChar char="•"/>
             </a:pPr>
@@ -8012,7 +7510,7 @@
             <a:endParaRPr lang="en-US" altLang="zh-CN" dirty="0"/>
           </a:p>
           <a:p>
-            <a:pPr marL="578358" lvl="1" indent="-285750">
+            <a:pPr marL="578485" lvl="1" indent="-285750">
               <a:buFont typeface="Arial" panose="020B0604020202020204" pitchFamily="34" charset="0"/>
               <a:buChar char="•"/>
             </a:pPr>
@@ -8022,11 +7520,16 @@
             </a:r>
             <a:r>
               <a:rPr lang="en-US" altLang="zh-CN" dirty="0"/>
-              <a:t>foo in a === true, b in a === false</a:t>
-            </a:r>
-          </a:p>
-          <a:p>
-            <a:pPr marL="578358" lvl="1" indent="-285750">
+              <a:t>'</a:t>
+            </a:r>
+            <a:r>
+              <a:rPr lang="en-US" altLang="zh-CN" dirty="0"/>
+              <a:t>foo' in a === true, 'b' in a === false</a:t>
+            </a:r>
+            <a:endParaRPr lang="en-US" altLang="zh-CN" dirty="0"/>
+          </a:p>
+          <a:p>
+            <a:pPr marL="578485" lvl="1" indent="-285750">
               <a:buFont typeface="Arial" panose="020B0604020202020204" pitchFamily="34" charset="0"/>
               <a:buChar char="•"/>
             </a:pPr>
@@ -8035,11 +7538,6 @@
         </p:txBody>
       </p:sp>
     </p:spTree>
-    <p:extLst>
-      <p:ext uri="{BB962C8B-B14F-4D97-AF65-F5344CB8AC3E}">
-        <p14:creationId xmlns:p14="http://schemas.microsoft.com/office/powerpoint/2010/main" val="3157317889"/>
-      </p:ext>
-    </p:extLst>
   </p:cSld>
   <p:clrMapOvr>
     <a:masterClrMapping/>
@@ -8090,7 +7588,7 @@
     </a:clrScheme>
     <a:fontScheme name="Retrospect">
       <a:majorFont>
-        <a:latin typeface="Calibri Light" panose="020F0302020204030204"/>
+        <a:latin typeface="Calibri Light"/>
         <a:ea typeface=""/>
         <a:cs typeface=""/>
         <a:font script="Jpan" typeface="ＭＳ Ｐゴシック"/>
@@ -8125,7 +7623,7 @@
         <a:font script="Geor" typeface="Sylfaen"/>
       </a:majorFont>
       <a:minorFont>
-        <a:latin typeface="Calibri" panose="020F0502020204030204"/>
+        <a:latin typeface="Calibri"/>
         <a:ea typeface=""/>
         <a:cs typeface=""/>
         <a:font script="Jpan" typeface="ＭＳ Ｐゴシック"/>
@@ -8320,11 +7818,9 @@
       </a:bgFillStyleLst>
     </a:fmtScheme>
   </a:themeElements>
-  <a:objectDefaults/>
-  <a:extraClrSchemeLst/>
   <a:extLst>
     <a:ext uri="{05A4C25C-085E-4340-85A3-A5531E510DB2}">
-      <thm15:themeFamily xmlns:thm15="http://schemas.microsoft.com/office/thememl/2012/main" name="Retrospect" id="{5F128B03-DCCA-4EEB-AB3B-CF2899314A46}" vid="{D26EA377-59BD-4C9C-9D94-EE8416EE4C79}"/>
+      <thm15:themeFamily xmlns:thm15="http://schemas.microsoft.com/office/thememl/2012/main" name="Office Theme" id="{62F939B6-93AF-4DB8-9C6B-D6C7DFDC589F}" vid="{4A3C46E8-61CC-4603-A589-7422A47A8E4A}"/>
     </a:ext>
   </a:extLst>
 </a:theme>
